--- a/Slides/Module 05 Interaction-Level Design Patterns.pptx
+++ b/Slides/Module 05 Interaction-Level Design Patterns.pptx
@@ -3224,7 +3224,7 @@
           <a:p>
             <a:fld id="{7C7E5181-6CF5-45F7-A87A-E0E0B1FD7549}" type="datetimeFigureOut">
               <a:rPr lang="en-US" smtClean="0"/>
-              <a:t>7/1/2025</a:t>
+              <a:t>7/8/2025</a:t>
             </a:fld>
             <a:endParaRPr lang="en-US"/>
           </a:p>
@@ -4911,8 +4911,13 @@
           <a:p>
             <a:r>
               <a:rPr lang="en-US" dirty="0"/>
-              <a:t>But now the client has access to *all* of the server's methods.  Maybe the server has many public methods, and it doesn't want the client to have access to all of them.</a:t>
-            </a:r>
+              <a:t>But now the client has access to *all* of the server's methods.  Maybe the server has many public methods, and it doesn't want the client to have access to all of them.  Our next pattern, the callback pattern, provides a solution to </a:t>
+            </a:r>
+            <a:r>
+              <a:rPr lang="en-US"/>
+              <a:t>this problem.</a:t>
+            </a:r>
+            <a:endParaRPr lang="en-US" dirty="0"/>
           </a:p>
         </p:txBody>
       </p:sp>
@@ -6655,7 +6660,7 @@
           <a:p>
             <a:fld id="{5D2A64DE-480B-420F-9649-4F8E696E08E0}" type="datetime1">
               <a:rPr lang="en-US" smtClean="0"/>
-              <a:t>7/1/2025</a:t>
+              <a:t>7/8/2025</a:t>
             </a:fld>
             <a:endParaRPr lang="en-US"/>
           </a:p>
@@ -6979,7 +6984,7 @@
           <a:p>
             <a:fld id="{EA476A42-A091-4468-A075-64A31BE59948}" type="datetime1">
               <a:rPr lang="en-US" smtClean="0"/>
-              <a:t>7/1/2025</a:t>
+              <a:t>7/8/2025</a:t>
             </a:fld>
             <a:endParaRPr lang="en-US"/>
           </a:p>
@@ -7177,7 +7182,7 @@
           <a:p>
             <a:fld id="{0D3616D0-8311-4107-9726-6B805E7D05BA}" type="datetime1">
               <a:rPr lang="en-US" smtClean="0"/>
-              <a:t>7/1/2025</a:t>
+              <a:t>7/8/2025</a:t>
             </a:fld>
             <a:endParaRPr lang="en-US"/>
           </a:p>
@@ -7385,7 +7390,7 @@
           <a:p>
             <a:fld id="{3BC2557A-5C88-417A-A763-5AC779462A5F}" type="datetime1">
               <a:rPr lang="en-US" smtClean="0"/>
-              <a:t>7/1/2025</a:t>
+              <a:t>7/8/2025</a:t>
             </a:fld>
             <a:endParaRPr lang="en-US"/>
           </a:p>
@@ -7909,7 +7914,7 @@
           <a:p>
             <a:fld id="{07C7BFD4-467E-4EDE-93EA-052F5B39A4E5}" type="datetime1">
               <a:rPr lang="en-US" smtClean="0"/>
-              <a:t>7/1/2025</a:t>
+              <a:t>7/8/2025</a:t>
             </a:fld>
             <a:endParaRPr lang="en-US"/>
           </a:p>
@@ -8159,7 +8164,7 @@
           <a:p>
             <a:fld id="{07C7BFD4-467E-4EDE-93EA-052F5B39A4E5}" type="datetime1">
               <a:rPr lang="en-US" smtClean="0"/>
-              <a:t>7/1/2025</a:t>
+              <a:t>7/8/2025</a:t>
             </a:fld>
             <a:endParaRPr lang="en-US"/>
           </a:p>
@@ -8347,7 +8352,7 @@
           <a:p>
             <a:fld id="{109E55A0-C911-4F03-82FC-7E5926047D46}" type="datetime1">
               <a:rPr lang="en-US" smtClean="0"/>
-              <a:t>7/1/2025</a:t>
+              <a:t>7/8/2025</a:t>
             </a:fld>
             <a:endParaRPr lang="en-US"/>
           </a:p>
@@ -8660,7 +8665,7 @@
           <a:p>
             <a:fld id="{A533CBE2-D5BE-47AC-ADC2-9CDFC1D0CF90}" type="datetime1">
               <a:rPr lang="en-US" smtClean="0"/>
-              <a:t>7/1/2025</a:t>
+              <a:t>7/8/2025</a:t>
             </a:fld>
             <a:endParaRPr lang="en-US"/>
           </a:p>
@@ -8961,7 +8966,7 @@
           <a:p>
             <a:fld id="{39B7EDB1-CE74-4951-85A2-0B01C2128E28}" type="datetime1">
               <a:rPr lang="en-US" smtClean="0"/>
-              <a:t>7/1/2025</a:t>
+              <a:t>7/8/2025</a:t>
             </a:fld>
             <a:endParaRPr lang="en-US"/>
           </a:p>
@@ -9409,7 +9414,7 @@
           <a:p>
             <a:fld id="{2BC7EB92-A5C2-4807-A9DC-9EDE6CBFB241}" type="datetime1">
               <a:rPr lang="en-US" smtClean="0"/>
-              <a:t>7/1/2025</a:t>
+              <a:t>7/8/2025</a:t>
             </a:fld>
             <a:endParaRPr lang="en-US"/>
           </a:p>
@@ -9522,7 +9527,7 @@
           <a:p>
             <a:fld id="{2B7B7EE0-7771-4CD5-9B2B-3550753A54A1}" type="datetime1">
               <a:rPr lang="en-US" smtClean="0"/>
-              <a:t>7/1/2025</a:t>
+              <a:t>7/8/2025</a:t>
             </a:fld>
             <a:endParaRPr lang="en-US"/>
           </a:p>
@@ -9833,7 +9838,7 @@
           <a:p>
             <a:fld id="{F8B318B3-0E87-4416-A9B8-D891968C2727}" type="datetime1">
               <a:rPr lang="en-US" smtClean="0"/>
-              <a:t>7/1/2025</a:t>
+              <a:t>7/8/2025</a:t>
             </a:fld>
             <a:endParaRPr lang="en-US"/>
           </a:p>
@@ -10074,7 +10079,7 @@
           <a:p>
             <a:fld id="{54D997E8-DDEE-43F1-8D9B-F8A1E11DE488}" type="datetime1">
               <a:rPr lang="en-US" smtClean="0"/>
-              <a:t>7/1/2025</a:t>
+              <a:t>7/8/2025</a:t>
             </a:fld>
             <a:endParaRPr lang="en-US"/>
           </a:p>

--- a/Slides/Module 05 Interaction-Level Design Patterns.pptx
+++ b/Slides/Module 05 Interaction-Level Design Patterns.pptx
@@ -3224,7 +3224,7 @@
           <a:p>
             <a:fld id="{7C7E5181-6CF5-45F7-A87A-E0E0B1FD7549}" type="datetimeFigureOut">
               <a:rPr lang="en-US" smtClean="0"/>
-              <a:t>7/8/2025</a:t>
+              <a:t>9/6/2025</a:t>
             </a:fld>
             <a:endParaRPr lang="en-US"/>
           </a:p>
@@ -4911,13 +4911,8 @@
           <a:p>
             <a:r>
               <a:rPr lang="en-US" dirty="0"/>
-              <a:t>But now the client has access to *all* of the server's methods.  Maybe the server has many public methods, and it doesn't want the client to have access to all of them.  Our next pattern, the callback pattern, provides a solution to </a:t>
-            </a:r>
-            <a:r>
-              <a:rPr lang="en-US"/>
-              <a:t>this problem.</a:t>
-            </a:r>
-            <a:endParaRPr lang="en-US" dirty="0"/>
+              <a:t>But now the client has access to *all* of the server's methods.  Maybe the server has many public methods, and it doesn't want the client to have access to all of them.  Our next pattern, the callback pattern, provides a solution to this problem.</a:t>
+            </a:r>
           </a:p>
         </p:txBody>
       </p:sp>
@@ -6660,7 +6655,7 @@
           <a:p>
             <a:fld id="{5D2A64DE-480B-420F-9649-4F8E696E08E0}" type="datetime1">
               <a:rPr lang="en-US" smtClean="0"/>
-              <a:t>7/8/2025</a:t>
+              <a:t>9/6/2025</a:t>
             </a:fld>
             <a:endParaRPr lang="en-US"/>
           </a:p>
@@ -6984,7 +6979,7 @@
           <a:p>
             <a:fld id="{EA476A42-A091-4468-A075-64A31BE59948}" type="datetime1">
               <a:rPr lang="en-US" smtClean="0"/>
-              <a:t>7/8/2025</a:t>
+              <a:t>9/6/2025</a:t>
             </a:fld>
             <a:endParaRPr lang="en-US"/>
           </a:p>
@@ -7182,7 +7177,7 @@
           <a:p>
             <a:fld id="{0D3616D0-8311-4107-9726-6B805E7D05BA}" type="datetime1">
               <a:rPr lang="en-US" smtClean="0"/>
-              <a:t>7/8/2025</a:t>
+              <a:t>9/6/2025</a:t>
             </a:fld>
             <a:endParaRPr lang="en-US"/>
           </a:p>
@@ -7390,7 +7385,7 @@
           <a:p>
             <a:fld id="{3BC2557A-5C88-417A-A763-5AC779462A5F}" type="datetime1">
               <a:rPr lang="en-US" smtClean="0"/>
-              <a:t>7/8/2025</a:t>
+              <a:t>9/6/2025</a:t>
             </a:fld>
             <a:endParaRPr lang="en-US"/>
           </a:p>
@@ -7914,7 +7909,7 @@
           <a:p>
             <a:fld id="{07C7BFD4-467E-4EDE-93EA-052F5B39A4E5}" type="datetime1">
               <a:rPr lang="en-US" smtClean="0"/>
-              <a:t>7/8/2025</a:t>
+              <a:t>9/6/2025</a:t>
             </a:fld>
             <a:endParaRPr lang="en-US"/>
           </a:p>
@@ -8164,7 +8159,7 @@
           <a:p>
             <a:fld id="{07C7BFD4-467E-4EDE-93EA-052F5B39A4E5}" type="datetime1">
               <a:rPr lang="en-US" smtClean="0"/>
-              <a:t>7/8/2025</a:t>
+              <a:t>9/6/2025</a:t>
             </a:fld>
             <a:endParaRPr lang="en-US"/>
           </a:p>
@@ -8352,7 +8347,7 @@
           <a:p>
             <a:fld id="{109E55A0-C911-4F03-82FC-7E5926047D46}" type="datetime1">
               <a:rPr lang="en-US" smtClean="0"/>
-              <a:t>7/8/2025</a:t>
+              <a:t>9/6/2025</a:t>
             </a:fld>
             <a:endParaRPr lang="en-US"/>
           </a:p>
@@ -8665,7 +8660,7 @@
           <a:p>
             <a:fld id="{A533CBE2-D5BE-47AC-ADC2-9CDFC1D0CF90}" type="datetime1">
               <a:rPr lang="en-US" smtClean="0"/>
-              <a:t>7/8/2025</a:t>
+              <a:t>9/6/2025</a:t>
             </a:fld>
             <a:endParaRPr lang="en-US"/>
           </a:p>
@@ -8966,7 +8961,7 @@
           <a:p>
             <a:fld id="{39B7EDB1-CE74-4951-85A2-0B01C2128E28}" type="datetime1">
               <a:rPr lang="en-US" smtClean="0"/>
-              <a:t>7/8/2025</a:t>
+              <a:t>9/6/2025</a:t>
             </a:fld>
             <a:endParaRPr lang="en-US"/>
           </a:p>
@@ -9414,7 +9409,7 @@
           <a:p>
             <a:fld id="{2BC7EB92-A5C2-4807-A9DC-9EDE6CBFB241}" type="datetime1">
               <a:rPr lang="en-US" smtClean="0"/>
-              <a:t>7/8/2025</a:t>
+              <a:t>9/6/2025</a:t>
             </a:fld>
             <a:endParaRPr lang="en-US"/>
           </a:p>
@@ -9527,7 +9522,7 @@
           <a:p>
             <a:fld id="{2B7B7EE0-7771-4CD5-9B2B-3550753A54A1}" type="datetime1">
               <a:rPr lang="en-US" smtClean="0"/>
-              <a:t>7/8/2025</a:t>
+              <a:t>9/6/2025</a:t>
             </a:fld>
             <a:endParaRPr lang="en-US"/>
           </a:p>
@@ -9838,7 +9833,7 @@
           <a:p>
             <a:fld id="{F8B318B3-0E87-4416-A9B8-D891968C2727}" type="datetime1">
               <a:rPr lang="en-US" smtClean="0"/>
-              <a:t>7/8/2025</a:t>
+              <a:t>9/6/2025</a:t>
             </a:fld>
             <a:endParaRPr lang="en-US"/>
           </a:p>
@@ -10079,7 +10074,7 @@
           <a:p>
             <a:fld id="{54D997E8-DDEE-43F1-8D9B-F8A1E11DE488}" type="datetime1">
               <a:rPr lang="en-US" smtClean="0"/>
-              <a:t>7/8/2025</a:t>
+              <a:t>9/6/2025</a:t>
             </a:fld>
             <a:endParaRPr lang="en-US"/>
           </a:p>
@@ -10660,12 +10655,20 @@
           <a:lstStyle/>
           <a:p>
             <a:r>
+              <a:rPr lang="en-US">
+                <a:solidFill>
+                  <a:srgbClr val="5C5962"/>
+                </a:solidFill>
+              </a:rPr>
+              <a:t>© 2025 </a:t>
+            </a:r>
+            <a:r>
               <a:rPr lang="en-US" dirty="0">
                 <a:solidFill>
                   <a:srgbClr val="5C5962"/>
                 </a:solidFill>
               </a:rPr>
-              <a:t>© 2024-2025 Released under the </a:t>
+              <a:t>Released under the </a:t>
             </a:r>
             <a:r>
               <a:rPr lang="en-US" dirty="0">
@@ -38630,4 +38633,10 @@
     </a:ext>
   </a:extLst>
 </a:theme>
+</file>
+
+<file path=docMetadata/LabelInfo.xml><?xml version="1.0" encoding="utf-8"?>
+<clbl:labelList xmlns:clbl="http://schemas.microsoft.com/office/2020/mipLabelMetadata">
+  <clbl:label id="{7893ce20-a697-4fd6-a4da-14011f6a471d}" enabled="1" method="Standard" siteId="{a8eec281-aaa3-4dae-ac9b-9a398b9215e7}" contentBits="0" removed="0"/>
+</clbl:labelList>
 </file>
--- a/Slides/Module 05 Interaction-Level Design Patterns.pptx
+++ b/Slides/Module 05 Interaction-Level Design Patterns.pptx
@@ -3224,7 +3224,7 @@
           <a:p>
             <a:fld id="{7C7E5181-6CF5-45F7-A87A-E0E0B1FD7549}" type="datetimeFigureOut">
               <a:rPr lang="en-US" smtClean="0"/>
-              <a:t>9/6/2025</a:t>
+              <a:t>9/16/2025</a:t>
             </a:fld>
             <a:endParaRPr lang="en-US"/>
           </a:p>
@@ -6655,7 +6655,7 @@
           <a:p>
             <a:fld id="{5D2A64DE-480B-420F-9649-4F8E696E08E0}" type="datetime1">
               <a:rPr lang="en-US" smtClean="0"/>
-              <a:t>9/6/2025</a:t>
+              <a:t>9/16/2025</a:t>
             </a:fld>
             <a:endParaRPr lang="en-US"/>
           </a:p>
@@ -6979,7 +6979,7 @@
           <a:p>
             <a:fld id="{EA476A42-A091-4468-A075-64A31BE59948}" type="datetime1">
               <a:rPr lang="en-US" smtClean="0"/>
-              <a:t>9/6/2025</a:t>
+              <a:t>9/16/2025</a:t>
             </a:fld>
             <a:endParaRPr lang="en-US"/>
           </a:p>
@@ -7177,7 +7177,7 @@
           <a:p>
             <a:fld id="{0D3616D0-8311-4107-9726-6B805E7D05BA}" type="datetime1">
               <a:rPr lang="en-US" smtClean="0"/>
-              <a:t>9/6/2025</a:t>
+              <a:t>9/16/2025</a:t>
             </a:fld>
             <a:endParaRPr lang="en-US"/>
           </a:p>
@@ -7385,7 +7385,7 @@
           <a:p>
             <a:fld id="{3BC2557A-5C88-417A-A763-5AC779462A5F}" type="datetime1">
               <a:rPr lang="en-US" smtClean="0"/>
-              <a:t>9/6/2025</a:t>
+              <a:t>9/16/2025</a:t>
             </a:fld>
             <a:endParaRPr lang="en-US"/>
           </a:p>
@@ -7909,7 +7909,7 @@
           <a:p>
             <a:fld id="{07C7BFD4-467E-4EDE-93EA-052F5B39A4E5}" type="datetime1">
               <a:rPr lang="en-US" smtClean="0"/>
-              <a:t>9/6/2025</a:t>
+              <a:t>9/16/2025</a:t>
             </a:fld>
             <a:endParaRPr lang="en-US"/>
           </a:p>
@@ -8159,7 +8159,7 @@
           <a:p>
             <a:fld id="{07C7BFD4-467E-4EDE-93EA-052F5B39A4E5}" type="datetime1">
               <a:rPr lang="en-US" smtClean="0"/>
-              <a:t>9/6/2025</a:t>
+              <a:t>9/16/2025</a:t>
             </a:fld>
             <a:endParaRPr lang="en-US"/>
           </a:p>
@@ -8347,7 +8347,7 @@
           <a:p>
             <a:fld id="{109E55A0-C911-4F03-82FC-7E5926047D46}" type="datetime1">
               <a:rPr lang="en-US" smtClean="0"/>
-              <a:t>9/6/2025</a:t>
+              <a:t>9/16/2025</a:t>
             </a:fld>
             <a:endParaRPr lang="en-US"/>
           </a:p>
@@ -8660,7 +8660,7 @@
           <a:p>
             <a:fld id="{A533CBE2-D5BE-47AC-ADC2-9CDFC1D0CF90}" type="datetime1">
               <a:rPr lang="en-US" smtClean="0"/>
-              <a:t>9/6/2025</a:t>
+              <a:t>9/16/2025</a:t>
             </a:fld>
             <a:endParaRPr lang="en-US"/>
           </a:p>
@@ -8961,7 +8961,7 @@
           <a:p>
             <a:fld id="{39B7EDB1-CE74-4951-85A2-0B01C2128E28}" type="datetime1">
               <a:rPr lang="en-US" smtClean="0"/>
-              <a:t>9/6/2025</a:t>
+              <a:t>9/16/2025</a:t>
             </a:fld>
             <a:endParaRPr lang="en-US"/>
           </a:p>
@@ -9409,7 +9409,7 @@
           <a:p>
             <a:fld id="{2BC7EB92-A5C2-4807-A9DC-9EDE6CBFB241}" type="datetime1">
               <a:rPr lang="en-US" smtClean="0"/>
-              <a:t>9/6/2025</a:t>
+              <a:t>9/16/2025</a:t>
             </a:fld>
             <a:endParaRPr lang="en-US"/>
           </a:p>
@@ -9522,7 +9522,7 @@
           <a:p>
             <a:fld id="{2B7B7EE0-7771-4CD5-9B2B-3550753A54A1}" type="datetime1">
               <a:rPr lang="en-US" smtClean="0"/>
-              <a:t>9/6/2025</a:t>
+              <a:t>9/16/2025</a:t>
             </a:fld>
             <a:endParaRPr lang="en-US"/>
           </a:p>
@@ -9833,7 +9833,7 @@
           <a:p>
             <a:fld id="{F8B318B3-0E87-4416-A9B8-D891968C2727}" type="datetime1">
               <a:rPr lang="en-US" smtClean="0"/>
-              <a:t>9/6/2025</a:t>
+              <a:t>9/16/2025</a:t>
             </a:fld>
             <a:endParaRPr lang="en-US"/>
           </a:p>
@@ -10074,7 +10074,7 @@
           <a:p>
             <a:fld id="{54D997E8-DDEE-43F1-8D9B-F8A1E11DE488}" type="datetime1">
               <a:rPr lang="en-US" smtClean="0"/>
-              <a:t>9/6/2025</a:t>
+              <a:t>9/16/2025</a:t>
             </a:fld>
             <a:endParaRPr lang="en-US"/>
           </a:p>
@@ -11855,15 +11855,15 @@
           <a:p>
             <a:r>
               <a:rPr lang="en-US" dirty="0"/>
-              <a:t>because the when the client needs </a:t>
-            </a:r>
-            <a:r>
-              <a:rPr lang="en-US" dirty="0" err="1"/>
-              <a:t>som</a:t>
+              <a:t>because the when the client </a:t>
+            </a:r>
+            <a:r>
+              <a:rPr lang="en-US"/>
+              <a:t>needs some </a:t>
             </a:r>
             <a:r>
               <a:rPr lang="en-US" dirty="0"/>
-              <a:t> data, it </a:t>
+              <a:t>data, it </a:t>
             </a:r>
             <a:r>
               <a:rPr lang="en-US" i="1" dirty="0"/>

--- a/Slides/Module 05 Interaction-Level Design Patterns.pptx
+++ b/Slides/Module 05 Interaction-Level Design Patterns.pptx
@@ -5,7 +5,7 @@
     <p:sldMasterId id="2147483648" r:id="rId1"/>
   </p:sldMasterIdLst>
   <p:notesMasterIdLst>
-    <p:notesMasterId r:id="rId42"/>
+    <p:notesMasterId r:id="rId41"/>
   </p:notesMasterIdLst>
   <p:sldIdLst>
     <p:sldId id="485" r:id="rId2"/>
@@ -17,58 +17,57 @@
     <p:sldId id="457" r:id="rId8"/>
     <p:sldId id="460" r:id="rId9"/>
     <p:sldId id="458" r:id="rId10"/>
-    <p:sldId id="526" r:id="rId11"/>
-    <p:sldId id="527" r:id="rId12"/>
-    <p:sldId id="514" r:id="rId13"/>
-    <p:sldId id="528" r:id="rId14"/>
-    <p:sldId id="435" r:id="rId15"/>
-    <p:sldId id="501" r:id="rId16"/>
-    <p:sldId id="502" r:id="rId17"/>
-    <p:sldId id="464" r:id="rId18"/>
-    <p:sldId id="505" r:id="rId19"/>
-    <p:sldId id="463" r:id="rId20"/>
-    <p:sldId id="465" r:id="rId21"/>
-    <p:sldId id="466" r:id="rId22"/>
-    <p:sldId id="515" r:id="rId23"/>
-    <p:sldId id="529" r:id="rId24"/>
-    <p:sldId id="507" r:id="rId25"/>
-    <p:sldId id="451" r:id="rId26"/>
-    <p:sldId id="530" r:id="rId27"/>
-    <p:sldId id="517" r:id="rId28"/>
-    <p:sldId id="531" r:id="rId29"/>
-    <p:sldId id="524" r:id="rId30"/>
-    <p:sldId id="525" r:id="rId31"/>
-    <p:sldId id="532" r:id="rId32"/>
-    <p:sldId id="516" r:id="rId33"/>
-    <p:sldId id="705" r:id="rId34"/>
-    <p:sldId id="706" r:id="rId35"/>
-    <p:sldId id="523" r:id="rId36"/>
-    <p:sldId id="533" r:id="rId37"/>
-    <p:sldId id="511" r:id="rId38"/>
-    <p:sldId id="709" r:id="rId39"/>
-    <p:sldId id="711" r:id="rId40"/>
-    <p:sldId id="710" r:id="rId41"/>
+    <p:sldId id="527" r:id="rId11"/>
+    <p:sldId id="514" r:id="rId12"/>
+    <p:sldId id="528" r:id="rId13"/>
+    <p:sldId id="435" r:id="rId14"/>
+    <p:sldId id="501" r:id="rId15"/>
+    <p:sldId id="502" r:id="rId16"/>
+    <p:sldId id="464" r:id="rId17"/>
+    <p:sldId id="505" r:id="rId18"/>
+    <p:sldId id="463" r:id="rId19"/>
+    <p:sldId id="465" r:id="rId20"/>
+    <p:sldId id="466" r:id="rId21"/>
+    <p:sldId id="515" r:id="rId22"/>
+    <p:sldId id="529" r:id="rId23"/>
+    <p:sldId id="507" r:id="rId24"/>
+    <p:sldId id="451" r:id="rId25"/>
+    <p:sldId id="530" r:id="rId26"/>
+    <p:sldId id="517" r:id="rId27"/>
+    <p:sldId id="531" r:id="rId28"/>
+    <p:sldId id="524" r:id="rId29"/>
+    <p:sldId id="525" r:id="rId30"/>
+    <p:sldId id="532" r:id="rId31"/>
+    <p:sldId id="516" r:id="rId32"/>
+    <p:sldId id="705" r:id="rId33"/>
+    <p:sldId id="706" r:id="rId34"/>
+    <p:sldId id="523" r:id="rId35"/>
+    <p:sldId id="533" r:id="rId36"/>
+    <p:sldId id="511" r:id="rId37"/>
+    <p:sldId id="709" r:id="rId38"/>
+    <p:sldId id="711" r:id="rId39"/>
+    <p:sldId id="710" r:id="rId40"/>
   </p:sldIdLst>
   <p:sldSz cx="12192000" cy="6858000"/>
   <p:notesSz cx="6858000" cy="9144000"/>
   <p:embeddedFontLst>
     <p:embeddedFont>
       <p:font typeface="Consolas" panose="020B0609020204030204" pitchFamily="49" charset="0"/>
-      <p:regular r:id="rId43"/>
-      <p:bold r:id="rId44"/>
-      <p:italic r:id="rId45"/>
-      <p:boldItalic r:id="rId46"/>
+      <p:regular r:id="rId42"/>
+      <p:bold r:id="rId43"/>
+      <p:italic r:id="rId44"/>
+      <p:boldItalic r:id="rId45"/>
     </p:embeddedFont>
     <p:embeddedFont>
       <p:font typeface="Ink Free" panose="03080402000500000000" pitchFamily="66" charset="0"/>
-      <p:regular r:id="rId47"/>
+      <p:regular r:id="rId46"/>
     </p:embeddedFont>
     <p:embeddedFont>
       <p:font typeface="Verdana" panose="020B0604030504040204" pitchFamily="34" charset="0"/>
-      <p:regular r:id="rId48"/>
-      <p:bold r:id="rId49"/>
-      <p:italic r:id="rId50"/>
-      <p:boldItalic r:id="rId51"/>
+      <p:regular r:id="rId47"/>
+      <p:bold r:id="rId48"/>
+      <p:italic r:id="rId49"/>
+      <p:boldItalic r:id="rId50"/>
     </p:embeddedFont>
   </p:embeddedFontLst>
   <p:defaultTextStyle>
@@ -180,7 +179,6 @@
             <p14:sldId id="457"/>
             <p14:sldId id="460"/>
             <p14:sldId id="458"/>
-            <p14:sldId id="526"/>
             <p14:sldId id="527"/>
             <p14:sldId id="514"/>
             <p14:sldId id="528"/>
@@ -3624,42 +3622,25 @@
           <a:p>
             <a:r>
               <a:rPr lang="en-US" dirty="0"/>
-              <a:t>Here is an interface for a clock using the Push pattern.  </a:t>
-            </a:r>
+              <a:t>And here’s the matching interface for a clock listener.  Note that we’ve put semantics in the interface– we say that the notify method expects to receive a message with the current time.</a:t>
+            </a:r>
+          </a:p>
+          <a:p>
+            <a:endParaRPr lang="en-US" dirty="0"/>
           </a:p>
           <a:p>
             <a:r>
               <a:rPr lang="en-US" dirty="0"/>
-              <a:t>&lt;Go through methods&gt;</a:t>
-            </a:r>
+              <a:t>This semantic information completes the contract between the producer and the consumer– it’s not enough to know the names of the relevant methods; we need to know what is in the message.</a:t>
+            </a:r>
+          </a:p>
+          <a:p>
+            <a:endParaRPr lang="en-US" dirty="0"/>
           </a:p>
           <a:p>
             <a:r>
               <a:rPr lang="en-US" dirty="0"/>
-              <a:t>The description of `</a:t>
-            </a:r>
-            <a:r>
-              <a:rPr lang="en-US" dirty="0" err="1"/>
-              <a:t>addListener</a:t>
-            </a:r>
-            <a:r>
-              <a:rPr lang="en-US" dirty="0"/>
-              <a:t>` tells us that a clock may have more than one consumer or listener.</a:t>
-            </a:r>
-          </a:p>
-          <a:p>
-            <a:r>
-              <a:rPr lang="en-US" dirty="0"/>
-              <a:t>A more complete description might mention that the clock can handle some maximum number of consumers, but we don’t care about that here.</a:t>
-            </a:r>
-          </a:p>
-          <a:p>
-            <a:endParaRPr lang="en-US" dirty="0"/>
-          </a:p>
-          <a:p>
-            <a:r>
-              <a:rPr lang="en-US" dirty="0"/>
-              <a:t>Note that we specify that the listeners/consumers/observers are notified by sending them a notify message with the current time.   If we didn’t specify this, we wouldn’t know how to write a listener. </a:t>
+              <a:t>Of course, an actual client will have other behavior!</a:t>
             </a:r>
           </a:p>
           <a:p>
@@ -3699,7 +3680,7 @@
     </p:spTree>
     <p:extLst>
       <p:ext uri="{BB962C8B-B14F-4D97-AF65-F5344CB8AC3E}">
-        <p14:creationId xmlns:p14="http://schemas.microsoft.com/office/powerpoint/2010/main" val="4243403126"/>
+        <p14:creationId xmlns:p14="http://schemas.microsoft.com/office/powerpoint/2010/main" val="2273420292"/>
       </p:ext>
     </p:extLst>
   </p:cSld>
@@ -3755,7 +3736,7 @@
           <a:p>
             <a:r>
               <a:rPr lang="en-US" dirty="0"/>
-              <a:t>And here’s the matching interface for a clock listener.  Note that we’ve put semantics in the interface– we say that the notify method expects to receive a message with the current time.</a:t>
+              <a:t>Here are some tests that illustrate the expected behavior of this system.</a:t>
             </a:r>
           </a:p>
           <a:p>
@@ -3764,7 +3745,7 @@
           <a:p>
             <a:r>
               <a:rPr lang="en-US" dirty="0"/>
-              <a:t>This semantic information completes the contract between the producer and the consumer– it’s not enough to know the names of the relevant methods; we need to know what is in the message.</a:t>
+              <a:t>On the left-hand side, we test to see that everything works with a single observer. First we create a clock.  Then we create a client, telling it to get its time from the clock we just created.  We check that the client starts at time 0.  We tick the clock twice, and then check to see that the client shows time equals 2.</a:t>
             </a:r>
           </a:p>
           <a:p>
@@ -3773,11 +3754,8 @@
           <a:p>
             <a:r>
               <a:rPr lang="en-US" dirty="0"/>
-              <a:t>Of course, an actual client will have other behavior!</a:t>
-            </a:r>
-          </a:p>
-          <a:p>
-            <a:endParaRPr lang="en-US" dirty="0"/>
+              <a:t>On the right-hand side, we do the same thing with multiple observers.  We create 3 observers, telling them all to register with the same clock.  Again, we tick the clock twice, and check to see that all 3 observers show the correct time.</a:t>
+            </a:r>
           </a:p>
           <a:p>
             <a:endParaRPr lang="en-US" dirty="0"/>
@@ -3813,7 +3791,7 @@
     </p:spTree>
     <p:extLst>
       <p:ext uri="{BB962C8B-B14F-4D97-AF65-F5344CB8AC3E}">
-        <p14:creationId xmlns:p14="http://schemas.microsoft.com/office/powerpoint/2010/main" val="2273420292"/>
+        <p14:creationId xmlns:p14="http://schemas.microsoft.com/office/powerpoint/2010/main" val="3984091046"/>
       </p:ext>
     </p:extLst>
   </p:cSld>
@@ -3867,31 +3845,59 @@
           <a:bodyPr/>
           <a:lstStyle/>
           <a:p>
+            <a:pPr marL="0" marR="0" lvl="0" indent="0" algn="l" defTabSz="914400" rtl="0" eaLnBrk="1" fontAlgn="auto" latinLnBrk="0" hangingPunct="1">
+              <a:lnSpc>
+                <a:spcPct val="100000"/>
+              </a:lnSpc>
+              <a:spcBef>
+                <a:spcPts val="0"/>
+              </a:spcBef>
+              <a:spcAft>
+                <a:spcPts val="0"/>
+              </a:spcAft>
+              <a:buClrTx/>
+              <a:buSzTx/>
+              <a:buFontTx/>
+              <a:buNone/>
+              <a:tabLst/>
+              <a:defRPr/>
+            </a:pPr>
             <a:r>
               <a:rPr lang="en-US" dirty="0"/>
-              <a:t>Here are some tests that illustrate the expected behavior of this system.</a:t>
-            </a:r>
-          </a:p>
-          <a:p>
-            <a:endParaRPr lang="en-US" dirty="0"/>
-          </a:p>
-          <a:p>
+              <a:t>Here’s an implementation of </a:t>
+            </a:r>
+            <a:r>
+              <a:rPr lang="en-US" dirty="0" err="1"/>
+              <a:t>IPushingClock</a:t>
+            </a:r>
             <a:r>
               <a:rPr lang="en-US" dirty="0"/>
-              <a:t>On the left-hand side, we test to see that everything works with a single observer. First we create a clock.  Then we create a client, telling it to get its time from the clock we just created.  We check that the client starts at time 0.  We tick the clock twice, and then check to see that the client shows time equals 2.</a:t>
-            </a:r>
-          </a:p>
-          <a:p>
-            <a:endParaRPr lang="en-US" dirty="0"/>
-          </a:p>
-          <a:p>
+              <a:t>. This code keeps a private field ‘observers’ which is a list of the consumers that it needs to notify.  It has a private method called ‘</a:t>
+            </a:r>
+            <a:r>
+              <a:rPr lang="en-US" dirty="0" err="1"/>
+              <a:t>NotifyAll</a:t>
+            </a:r>
             <a:r>
               <a:rPr lang="en-US" dirty="0"/>
-              <a:t>On the right-hand side, we do the same thing with multiple observers.  We create 3 observers, telling them all to register with the same clock.  Again, we tick the clock twice, and check to see that all 3 observers show the correct time.</a:t>
-            </a:r>
-          </a:p>
-          <a:p>
-            <a:endParaRPr lang="en-US" dirty="0"/>
+              <a:t>’ that calls each observer’s notify method, and when the clock is ticked, it calls </a:t>
+            </a:r>
+            <a:r>
+              <a:rPr lang="en-US" dirty="0" err="1"/>
+              <a:t>notifyAll</a:t>
+            </a:r>
+            <a:r>
+              <a:rPr lang="en-US" dirty="0"/>
+              <a:t> to actually notify the observers.  Similarly, when the clock is reset, it calls </a:t>
+            </a:r>
+            <a:r>
+              <a:rPr lang="en-US" dirty="0" err="1"/>
+              <a:t>notifyAll</a:t>
+            </a:r>
+            <a:r>
+              <a:rPr lang="en-US" dirty="0"/>
+              <a:t> to notify the observers.</a:t>
+            </a:r>
           </a:p>
           <a:p>
             <a:endParaRPr lang="en-US" dirty="0"/>
@@ -3924,7 +3930,7 @@
     </p:spTree>
     <p:extLst>
       <p:ext uri="{BB962C8B-B14F-4D97-AF65-F5344CB8AC3E}">
-        <p14:creationId xmlns:p14="http://schemas.microsoft.com/office/powerpoint/2010/main" val="3984091046"/>
+        <p14:creationId xmlns:p14="http://schemas.microsoft.com/office/powerpoint/2010/main" val="2493701995"/>
       </p:ext>
     </p:extLst>
   </p:cSld>
@@ -3978,58 +3984,43 @@
           <a:bodyPr/>
           <a:lstStyle/>
           <a:p>
-            <a:pPr marL="0" marR="0" lvl="0" indent="0" algn="l" defTabSz="914400" rtl="0" eaLnBrk="1" fontAlgn="auto" latinLnBrk="0" hangingPunct="1">
-              <a:lnSpc>
-                <a:spcPct val="100000"/>
-              </a:lnSpc>
-              <a:spcBef>
-                <a:spcPts val="0"/>
-              </a:spcBef>
-              <a:spcAft>
-                <a:spcPts val="0"/>
-              </a:spcAft>
-              <a:buClrTx/>
-              <a:buSzTx/>
-              <a:buFontTx/>
-              <a:buNone/>
-              <a:tabLst/>
-              <a:defRPr/>
-            </a:pPr>
             <a:r>
               <a:rPr lang="en-US" dirty="0"/>
-              <a:t>Here’s an implementation of </a:t>
+              <a:t>And here’s a client.  When such a client is created, it is given the identity of an </a:t>
             </a:r>
             <a:r>
               <a:rPr lang="en-US" dirty="0" err="1"/>
-              <a:t>IPushingClock</a:t>
+              <a:t>PushingClock</a:t>
             </a:r>
             <a:r>
               <a:rPr lang="en-US" dirty="0"/>
-              <a:t>. This code keeps a private field ‘observers’ which is a list of the consumers that it needs to notify.  It has a private method called ‘</a:t>
+              <a:t>, and it tells that </a:t>
             </a:r>
             <a:r>
               <a:rPr lang="en-US" dirty="0" err="1"/>
-              <a:t>NotifyAll</a:t>
+              <a:t>PushingClock</a:t>
             </a:r>
             <a:r>
               <a:rPr lang="en-US" dirty="0"/>
-              <a:t>’ that calls each observer’s notify method, and when the clock is ticked, it calls </a:t>
-            </a:r>
-            <a:r>
-              <a:rPr lang="en-US" dirty="0" err="1"/>
-              <a:t>notifyAll</a:t>
-            </a:r>
+              <a:t> to add this client as an observer.</a:t>
+            </a:r>
+          </a:p>
+          <a:p>
+            <a:endParaRPr lang="en-US" dirty="0"/>
+          </a:p>
+          <a:p>
             <a:r>
               <a:rPr lang="en-US" dirty="0"/>
-              <a:t> to actually notify the observers.  Similarly, when the clock is reset, it calls </a:t>
-            </a:r>
-            <a:r>
-              <a:rPr lang="en-US" dirty="0" err="1"/>
-              <a:t>notifyAll</a:t>
-            </a:r>
+              <a:t>When this client’s notify method is called, it uses the argument of the notify method to set the client’s private clock. </a:t>
+            </a:r>
+          </a:p>
+          <a:p>
+            <a:endParaRPr lang="en-US" dirty="0"/>
+          </a:p>
+          <a:p>
             <a:r>
               <a:rPr lang="en-US" dirty="0"/>
-              <a:t> to notify the observers.</a:t>
+              <a:t>And (surprise!) these methods pass the tests we wrote earlier.  </a:t>
             </a:r>
           </a:p>
           <a:p>
@@ -4063,7 +4054,7 @@
     </p:spTree>
     <p:extLst>
       <p:ext uri="{BB962C8B-B14F-4D97-AF65-F5344CB8AC3E}">
-        <p14:creationId xmlns:p14="http://schemas.microsoft.com/office/powerpoint/2010/main" val="2493701995"/>
+        <p14:creationId xmlns:p14="http://schemas.microsoft.com/office/powerpoint/2010/main" val="3716319204"/>
       </p:ext>
     </p:extLst>
   </p:cSld>
@@ -4119,41 +4110,27 @@
           <a:p>
             <a:r>
               <a:rPr lang="en-US" dirty="0"/>
-              <a:t>And here’s a client.  When such a client is created, it is given the identity of an </a:t>
+              <a:t>Note that the observer gets to decide what to do with the notification.  Here’s another client that does something different with the notification. Instead of taking the notification argument t and using it to set the local time, it doubles t.  Then, it also keeps a log of the notifications it receives– it doesn’t do anything with the log; it’s just for fun.</a:t>
+            </a:r>
+          </a:p>
+          <a:p>
+            <a:r>
+              <a:rPr lang="en-US" dirty="0"/>
+              <a:t> </a:t>
+            </a:r>
+          </a:p>
+          <a:p>
+            <a:r>
+              <a:rPr lang="en-US" dirty="0"/>
+              <a:t>If anybody asks for the time, the client takes what it has and divides it by 2.   So this code returns the same values for </a:t>
             </a:r>
             <a:r>
               <a:rPr lang="en-US" dirty="0" err="1"/>
-              <a:t>PushingClock</a:t>
+              <a:t>getTime</a:t>
             </a:r>
             <a:r>
               <a:rPr lang="en-US" dirty="0"/>
-              <a:t>, and it tells that </a:t>
-            </a:r>
-            <a:r>
-              <a:rPr lang="en-US" dirty="0" err="1"/>
-              <a:t>PushingClock</a:t>
-            </a:r>
-            <a:r>
-              <a:rPr lang="en-US" dirty="0"/>
-              <a:t> to add this client as an observer.</a:t>
-            </a:r>
-          </a:p>
-          <a:p>
-            <a:endParaRPr lang="en-US" dirty="0"/>
-          </a:p>
-          <a:p>
-            <a:r>
-              <a:rPr lang="en-US" dirty="0"/>
-              <a:t>When this client’s notify method is called, it uses the argument of the notify method to set the client’s private clock. </a:t>
-            </a:r>
-          </a:p>
-          <a:p>
-            <a:endParaRPr lang="en-US" dirty="0"/>
-          </a:p>
-          <a:p>
-            <a:r>
-              <a:rPr lang="en-US" dirty="0"/>
-              <a:t>And (surprise!) these methods pass the tests we wrote earlier.  </a:t>
+              <a:t>, and it would pass the tests we just saw.</a:t>
             </a:r>
           </a:p>
           <a:p>
@@ -4187,7 +4164,7 @@
     </p:spTree>
     <p:extLst>
       <p:ext uri="{BB962C8B-B14F-4D97-AF65-F5344CB8AC3E}">
-        <p14:creationId xmlns:p14="http://schemas.microsoft.com/office/powerpoint/2010/main" val="3716319204"/>
+        <p14:creationId xmlns:p14="http://schemas.microsoft.com/office/powerpoint/2010/main" val="1958376524"/>
       </p:ext>
     </p:extLst>
   </p:cSld>
@@ -4243,31 +4220,8 @@
           <a:p>
             <a:r>
               <a:rPr lang="en-US" dirty="0"/>
-              <a:t>Note that the observer gets to decide what to do with the notification.  Here’s another client that does something different with the notification. Instead of taking the notification argument t and using it to set the local time, it doubles t.  Then, it also keeps a log of the notifications it receives– it doesn’t do anything with the log; it’s just for fun.</a:t>
-            </a:r>
-          </a:p>
-          <a:p>
-            <a:r>
-              <a:rPr lang="en-US" dirty="0"/>
-              <a:t> </a:t>
-            </a:r>
-          </a:p>
-          <a:p>
-            <a:r>
-              <a:rPr lang="en-US" dirty="0"/>
-              <a:t>If anybody asks for the time, the client takes what it has and divides it by 2.   So this code returns the same values for </a:t>
-            </a:r>
-            <a:r>
-              <a:rPr lang="en-US" dirty="0" err="1"/>
-              <a:t>getTime</a:t>
-            </a:r>
-            <a:r>
-              <a:rPr lang="en-US" dirty="0"/>
-              <a:t>, and it would pass the tests we just saw.</a:t>
-            </a:r>
-          </a:p>
-          <a:p>
-            <a:endParaRPr lang="en-US" dirty="0"/>
+              <a:t>And here are the tests for this client.  But wait, this client has other behaviors, which we should test.</a:t>
+            </a:r>
           </a:p>
         </p:txBody>
       </p:sp>
@@ -4297,7 +4251,7 @@
     </p:spTree>
     <p:extLst>
       <p:ext uri="{BB962C8B-B14F-4D97-AF65-F5344CB8AC3E}">
-        <p14:creationId xmlns:p14="http://schemas.microsoft.com/office/powerpoint/2010/main" val="1958376524"/>
+        <p14:creationId xmlns:p14="http://schemas.microsoft.com/office/powerpoint/2010/main" val="2221216698"/>
       </p:ext>
     </p:extLst>
   </p:cSld>
@@ -4353,7 +4307,7 @@
           <a:p>
             <a:r>
               <a:rPr lang="en-US" dirty="0"/>
-              <a:t>And here are the tests for this client.  But wait, this client has other behaviors, which we should test.</a:t>
+              <a:t>Here we've also tested what happens when the client joins the clock after it starts (not just when the clock's value is 0!).  We observe that the reported time is correct, and the list of notifications is [2,3,4] (not including the time 1, which occurred before the client joined the clock).</a:t>
             </a:r>
           </a:p>
         </p:txBody>
@@ -4384,7 +4338,7 @@
     </p:spTree>
     <p:extLst>
       <p:ext uri="{BB962C8B-B14F-4D97-AF65-F5344CB8AC3E}">
-        <p14:creationId xmlns:p14="http://schemas.microsoft.com/office/powerpoint/2010/main" val="2221216698"/>
+        <p14:creationId xmlns:p14="http://schemas.microsoft.com/office/powerpoint/2010/main" val="1982810058"/>
       </p:ext>
     </p:extLst>
   </p:cSld>
@@ -4438,10 +4392,7 @@
           <a:bodyPr/>
           <a:lstStyle/>
           <a:p>
-            <a:r>
-              <a:rPr lang="en-US" dirty="0"/>
-              <a:t>Here we've also tested what happens when the client joins the clock after it starts (not just when the clock's value is 0!).  We observe that the reported time is correct, and the list of notifications is [2,3,4] (not including the time 1, which occurred before the client joined the clock).</a:t>
-            </a:r>
+            <a:endParaRPr lang="en-US" dirty="0"/>
           </a:p>
         </p:txBody>
       </p:sp>
@@ -4471,7 +4422,7 @@
     </p:spTree>
     <p:extLst>
       <p:ext uri="{BB962C8B-B14F-4D97-AF65-F5344CB8AC3E}">
-        <p14:creationId xmlns:p14="http://schemas.microsoft.com/office/powerpoint/2010/main" val="1982810058"/>
+        <p14:creationId xmlns:p14="http://schemas.microsoft.com/office/powerpoint/2010/main" val="1470869978"/>
       </p:ext>
     </p:extLst>
   </p:cSld>
@@ -4525,7 +4476,25 @@
           <a:bodyPr/>
           <a:lstStyle/>
           <a:p>
+            <a:r>
+              <a:rPr lang="en-US" dirty="0"/>
+              <a:t>Here’s a side-by-side comparison of the tradeoffs.  </a:t>
+            </a:r>
+          </a:p>
+          <a:p>
             <a:endParaRPr lang="en-US" dirty="0"/>
+          </a:p>
+          <a:p>
+            <a:r>
+              <a:rPr lang="en-US" dirty="0"/>
+              <a:t>Note that if the data is changing rapidly, but the consumer only asks for it rarely, then Pull is better because it leads to less traffic. </a:t>
+            </a:r>
+          </a:p>
+          <a:p>
+            <a:r>
+              <a:rPr lang="en-US" dirty="0"/>
+              <a:t>Similarly, if the data is changing slowly, but the consumer needs it often, the Push is better because that leads to less traffic.</a:t>
+            </a:r>
           </a:p>
         </p:txBody>
       </p:sp>
@@ -4555,7 +4524,7 @@
     </p:spTree>
     <p:extLst>
       <p:ext uri="{BB962C8B-B14F-4D97-AF65-F5344CB8AC3E}">
-        <p14:creationId xmlns:p14="http://schemas.microsoft.com/office/powerpoint/2010/main" val="1470869978"/>
+        <p14:creationId xmlns:p14="http://schemas.microsoft.com/office/powerpoint/2010/main" val="365248534"/>
       </p:ext>
     </p:extLst>
   </p:cSld>
@@ -4611,23 +4580,14 @@
           <a:p>
             <a:r>
               <a:rPr lang="en-US" dirty="0"/>
-              <a:t>Here’s a side-by-side comparison of the tradeoffs.  </a:t>
+              <a:t>There are lots of details and variations to work out here.  &lt;read slide&gt; It all depends on the application in which we are using the pattern.</a:t>
             </a:r>
           </a:p>
           <a:p>
             <a:endParaRPr lang="en-US" dirty="0"/>
           </a:p>
           <a:p>
-            <a:r>
-              <a:rPr lang="en-US" dirty="0"/>
-              <a:t>Note that if the data is changing rapidly, but the consumer only asks for it rarely, then Pull is better because it leads to less traffic. </a:t>
-            </a:r>
-          </a:p>
-          <a:p>
-            <a:r>
-              <a:rPr lang="en-US" dirty="0"/>
-              <a:t>Similarly, if the data is changing slowly, but the consumer needs it often, the Push is better because that leads to less traffic.</a:t>
-            </a:r>
+            <a:endParaRPr lang="en-US" dirty="0"/>
           </a:p>
         </p:txBody>
       </p:sp>
@@ -4657,7 +4617,7 @@
     </p:spTree>
     <p:extLst>
       <p:ext uri="{BB962C8B-B14F-4D97-AF65-F5344CB8AC3E}">
-        <p14:creationId xmlns:p14="http://schemas.microsoft.com/office/powerpoint/2010/main" val="365248534"/>
+        <p14:creationId xmlns:p14="http://schemas.microsoft.com/office/powerpoint/2010/main" val="3411285890"/>
       </p:ext>
     </p:extLst>
   </p:cSld>
@@ -4755,99 +4715,6 @@
 </file>
 
 <file path=ppt/notesSlides/notesSlide20.xml><?xml version="1.0" encoding="utf-8"?>
-<p:notes xmlns:a="http://schemas.openxmlformats.org/drawingml/2006/main" xmlns:r="http://schemas.openxmlformats.org/officeDocument/2006/relationships" xmlns:p="http://schemas.openxmlformats.org/presentationml/2006/main">
-  <p:cSld>
-    <p:spTree>
-      <p:nvGrpSpPr>
-        <p:cNvPr id="1" name=""/>
-        <p:cNvGrpSpPr/>
-        <p:nvPr/>
-      </p:nvGrpSpPr>
-      <p:grpSpPr>
-        <a:xfrm>
-          <a:off x="0" y="0"/>
-          <a:ext cx="0" cy="0"/>
-          <a:chOff x="0" y="0"/>
-          <a:chExt cx="0" cy="0"/>
-        </a:xfrm>
-      </p:grpSpPr>
-      <p:sp>
-        <p:nvSpPr>
-          <p:cNvPr id="2" name="Slide Image Placeholder 1"/>
-          <p:cNvSpPr>
-            <a:spLocks noGrp="1" noRot="1" noChangeAspect="1"/>
-          </p:cNvSpPr>
-          <p:nvPr>
-            <p:ph type="sldImg"/>
-          </p:nvPr>
-        </p:nvSpPr>
-        <p:spPr/>
-      </p:sp>
-      <p:sp>
-        <p:nvSpPr>
-          <p:cNvPr id="3" name="Notes Placeholder 2"/>
-          <p:cNvSpPr>
-            <a:spLocks noGrp="1"/>
-          </p:cNvSpPr>
-          <p:nvPr>
-            <p:ph type="body" idx="1"/>
-          </p:nvPr>
-        </p:nvSpPr>
-        <p:spPr/>
-        <p:txBody>
-          <a:bodyPr/>
-          <a:lstStyle/>
-          <a:p>
-            <a:r>
-              <a:rPr lang="en-US" dirty="0"/>
-              <a:t>There are lots of details and variations to work out here.  &lt;read slide&gt; It all depends on the application in which we are using the pattern.</a:t>
-            </a:r>
-          </a:p>
-          <a:p>
-            <a:endParaRPr lang="en-US" dirty="0"/>
-          </a:p>
-          <a:p>
-            <a:endParaRPr lang="en-US" dirty="0"/>
-          </a:p>
-        </p:txBody>
-      </p:sp>
-      <p:sp>
-        <p:nvSpPr>
-          <p:cNvPr id="4" name="Slide Number Placeholder 3"/>
-          <p:cNvSpPr>
-            <a:spLocks noGrp="1"/>
-          </p:cNvSpPr>
-          <p:nvPr>
-            <p:ph type="sldNum" sz="quarter" idx="5"/>
-          </p:nvPr>
-        </p:nvSpPr>
-        <p:spPr/>
-        <p:txBody>
-          <a:bodyPr/>
-          <a:lstStyle/>
-          <a:p>
-            <a:fld id="{07937F07-1250-4CCE-B198-1B2887014F41}" type="slidenum">
-              <a:rPr lang="en-US" smtClean="0"/>
-              <a:t>25</a:t>
-            </a:fld>
-            <a:endParaRPr lang="en-US"/>
-          </a:p>
-        </p:txBody>
-      </p:sp>
-    </p:spTree>
-    <p:extLst>
-      <p:ext uri="{BB962C8B-B14F-4D97-AF65-F5344CB8AC3E}">
-        <p14:creationId xmlns:p14="http://schemas.microsoft.com/office/powerpoint/2010/main" val="3411285890"/>
-      </p:ext>
-    </p:extLst>
-  </p:cSld>
-  <p:clrMapOvr>
-    <a:masterClrMapping/>
-  </p:clrMapOvr>
-</p:notes>
-</file>
-
-<file path=ppt/notesSlides/notesSlide21.xml><?xml version="1.0" encoding="utf-8"?>
 <p:notes xmlns:a="http://schemas.openxmlformats.org/drawingml/2006/main" xmlns:r="http://schemas.openxmlformats.org/officeDocument/2006/relationships" xmlns:p="http://schemas.openxmlformats.org/presentationml/2006/main">
   <p:cSld>
     <p:spTree>
@@ -4939,7 +4806,7 @@
           <a:p>
             <a:fld id="{07937F07-1250-4CCE-B198-1B2887014F41}" type="slidenum">
               <a:rPr lang="en-US" smtClean="0"/>
-              <a:t>26</a:t>
+              <a:t>25</a:t>
             </a:fld>
             <a:endParaRPr lang="en-US"/>
           </a:p>
@@ -4949,6 +4816,93 @@
     <p:extLst>
       <p:ext uri="{BB962C8B-B14F-4D97-AF65-F5344CB8AC3E}">
         <p14:creationId xmlns:p14="http://schemas.microsoft.com/office/powerpoint/2010/main" val="3286241978"/>
+      </p:ext>
+    </p:extLst>
+  </p:cSld>
+  <p:clrMapOvr>
+    <a:masterClrMapping/>
+  </p:clrMapOvr>
+</p:notes>
+</file>
+
+<file path=ppt/notesSlides/notesSlide21.xml><?xml version="1.0" encoding="utf-8"?>
+<p:notes xmlns:a="http://schemas.openxmlformats.org/drawingml/2006/main" xmlns:r="http://schemas.openxmlformats.org/officeDocument/2006/relationships" xmlns:p="http://schemas.openxmlformats.org/presentationml/2006/main">
+  <p:cSld>
+    <p:spTree>
+      <p:nvGrpSpPr>
+        <p:cNvPr id="1" name=""/>
+        <p:cNvGrpSpPr/>
+        <p:nvPr/>
+      </p:nvGrpSpPr>
+      <p:grpSpPr>
+        <a:xfrm>
+          <a:off x="0" y="0"/>
+          <a:ext cx="0" cy="0"/>
+          <a:chOff x="0" y="0"/>
+          <a:chExt cx="0" cy="0"/>
+        </a:xfrm>
+      </p:grpSpPr>
+      <p:sp>
+        <p:nvSpPr>
+          <p:cNvPr id="2" name="Slide Image Placeholder 1"/>
+          <p:cNvSpPr>
+            <a:spLocks noGrp="1" noRot="1" noChangeAspect="1"/>
+          </p:cNvSpPr>
+          <p:nvPr>
+            <p:ph type="sldImg"/>
+          </p:nvPr>
+        </p:nvSpPr>
+        <p:spPr/>
+      </p:sp>
+      <p:sp>
+        <p:nvSpPr>
+          <p:cNvPr id="3" name="Notes Placeholder 2"/>
+          <p:cNvSpPr>
+            <a:spLocks noGrp="1"/>
+          </p:cNvSpPr>
+          <p:nvPr>
+            <p:ph type="body" idx="1"/>
+          </p:nvPr>
+        </p:nvSpPr>
+        <p:spPr/>
+        <p:txBody>
+          <a:bodyPr/>
+          <a:lstStyle/>
+          <a:p>
+            <a:r>
+              <a:rPr lang="en-US" dirty="0"/>
+              <a:t>This may seem specialized, but it is one of the main patterns used in REACT (in part because REACT doesn't have methods that you can create).</a:t>
+            </a:r>
+          </a:p>
+        </p:txBody>
+      </p:sp>
+      <p:sp>
+        <p:nvSpPr>
+          <p:cNvPr id="4" name="Slide Number Placeholder 3"/>
+          <p:cNvSpPr>
+            <a:spLocks noGrp="1"/>
+          </p:cNvSpPr>
+          <p:nvPr>
+            <p:ph type="sldNum" sz="quarter" idx="5"/>
+          </p:nvPr>
+        </p:nvSpPr>
+        <p:spPr/>
+        <p:txBody>
+          <a:bodyPr/>
+          <a:lstStyle/>
+          <a:p>
+            <a:fld id="{07937F07-1250-4CCE-B198-1B2887014F41}" type="slidenum">
+              <a:rPr lang="en-US" smtClean="0"/>
+              <a:t>26</a:t>
+            </a:fld>
+            <a:endParaRPr lang="en-US"/>
+          </a:p>
+        </p:txBody>
+      </p:sp>
+    </p:spTree>
+    <p:extLst>
+      <p:ext uri="{BB962C8B-B14F-4D97-AF65-F5344CB8AC3E}">
+        <p14:creationId xmlns:p14="http://schemas.microsoft.com/office/powerpoint/2010/main" val="3000596782"/>
       </p:ext>
     </p:extLst>
   </p:cSld>
@@ -5002,10 +4956,7 @@
           <a:bodyPr/>
           <a:lstStyle/>
           <a:p>
-            <a:r>
-              <a:rPr lang="en-US" dirty="0"/>
-              <a:t>This may seem specialized, but it is one of the main patterns used in REACT (in part because REACT doesn't have methods that you can create).</a:t>
-            </a:r>
+            <a:endParaRPr lang="en-US" dirty="0"/>
           </a:p>
         </p:txBody>
       </p:sp>
@@ -5026,7 +4977,7 @@
           <a:p>
             <a:fld id="{07937F07-1250-4CCE-B198-1B2887014F41}" type="slidenum">
               <a:rPr lang="en-US" smtClean="0"/>
-              <a:t>27</a:t>
+              <a:t>29</a:t>
             </a:fld>
             <a:endParaRPr lang="en-US"/>
           </a:p>
@@ -5035,7 +4986,7 @@
     </p:spTree>
     <p:extLst>
       <p:ext uri="{BB962C8B-B14F-4D97-AF65-F5344CB8AC3E}">
-        <p14:creationId xmlns:p14="http://schemas.microsoft.com/office/powerpoint/2010/main" val="3000596782"/>
+        <p14:creationId xmlns:p14="http://schemas.microsoft.com/office/powerpoint/2010/main" val="668061143"/>
       </p:ext>
     </p:extLst>
   </p:cSld>
@@ -5089,7 +5040,16 @@
           <a:bodyPr/>
           <a:lstStyle/>
           <a:p>
-            <a:endParaRPr lang="en-US" dirty="0"/>
+            <a:r>
+              <a:rPr lang="en-US" dirty="0"/>
+              <a:t>&lt;read slide&gt;</a:t>
+            </a:r>
+          </a:p>
+          <a:p>
+            <a:r>
+              <a:rPr lang="en-US" dirty="0"/>
+              <a:t>In this situation, the typed-emitter pattern might be useful.  This pattern shows how to use the typed-emitter package in TS.</a:t>
+            </a:r>
           </a:p>
         </p:txBody>
       </p:sp>
@@ -5110,7 +5070,7 @@
           <a:p>
             <a:fld id="{07937F07-1250-4CCE-B198-1B2887014F41}" type="slidenum">
               <a:rPr lang="en-US" smtClean="0"/>
-              <a:t>30</a:t>
+              <a:t>31</a:t>
             </a:fld>
             <a:endParaRPr lang="en-US"/>
           </a:p>
@@ -5119,7 +5079,7 @@
     </p:spTree>
     <p:extLst>
       <p:ext uri="{BB962C8B-B14F-4D97-AF65-F5344CB8AC3E}">
-        <p14:creationId xmlns:p14="http://schemas.microsoft.com/office/powerpoint/2010/main" val="668061143"/>
+        <p14:creationId xmlns:p14="http://schemas.microsoft.com/office/powerpoint/2010/main" val="2536762771"/>
       </p:ext>
     </p:extLst>
   </p:cSld>
@@ -5173,16 +5133,7 @@
           <a:bodyPr/>
           <a:lstStyle/>
           <a:p>
-            <a:r>
-              <a:rPr lang="en-US" dirty="0"/>
-              <a:t>&lt;read slide&gt;</a:t>
-            </a:r>
-          </a:p>
-          <a:p>
-            <a:r>
-              <a:rPr lang="en-US" dirty="0"/>
-              <a:t>In this situation, the typed-emitter pattern might be useful.  This pattern shows how to use the typed-emitter package in TS.</a:t>
-            </a:r>
+            <a:endParaRPr lang="en-US" dirty="0"/>
           </a:p>
         </p:txBody>
       </p:sp>
@@ -5203,7 +5154,7 @@
           <a:p>
             <a:fld id="{07937F07-1250-4CCE-B198-1B2887014F41}" type="slidenum">
               <a:rPr lang="en-US" smtClean="0"/>
-              <a:t>32</a:t>
+              <a:t>33</a:t>
             </a:fld>
             <a:endParaRPr lang="en-US"/>
           </a:p>
@@ -5212,7 +5163,7 @@
     </p:spTree>
     <p:extLst>
       <p:ext uri="{BB962C8B-B14F-4D97-AF65-F5344CB8AC3E}">
-        <p14:creationId xmlns:p14="http://schemas.microsoft.com/office/powerpoint/2010/main" val="2536762771"/>
+        <p14:creationId xmlns:p14="http://schemas.microsoft.com/office/powerpoint/2010/main" val="2252922316"/>
       </p:ext>
     </p:extLst>
   </p:cSld>
@@ -5266,6 +5217,21 @@
           <a:bodyPr/>
           <a:lstStyle/>
           <a:p>
+            <a:r>
+              <a:rPr lang="en-US" dirty="0"/>
+              <a:t>Event emitters come in many shapes and forms. Here is a typical emitter interface that allows you to register for an event (using `on’), unregister (using `off’) or emit events.</a:t>
+            </a:r>
+          </a:p>
+          <a:p>
+            <a:endParaRPr lang="en-US" dirty="0"/>
+          </a:p>
+          <a:p>
+            <a:r>
+              <a:rPr lang="en-US" dirty="0"/>
+              <a:t>Sometimes `on’ is also called `subscribe’ or `register’.</a:t>
+            </a:r>
+          </a:p>
+          <a:p>
             <a:endParaRPr lang="en-US" dirty="0"/>
           </a:p>
         </p:txBody>
@@ -5296,7 +5262,7 @@
     </p:spTree>
     <p:extLst>
       <p:ext uri="{BB962C8B-B14F-4D97-AF65-F5344CB8AC3E}">
-        <p14:creationId xmlns:p14="http://schemas.microsoft.com/office/powerpoint/2010/main" val="2252922316"/>
+        <p14:creationId xmlns:p14="http://schemas.microsoft.com/office/powerpoint/2010/main" val="108164340"/>
       </p:ext>
     </p:extLst>
   </p:cSld>
@@ -5350,21 +5316,6 @@
           <a:bodyPr/>
           <a:lstStyle/>
           <a:p>
-            <a:r>
-              <a:rPr lang="en-US" dirty="0"/>
-              <a:t>Event emitters come in many shapes and forms. Here is a typical emitter interface that allows you to register for an event (using `on’), unregister (using `off’) or emit events.</a:t>
-            </a:r>
-          </a:p>
-          <a:p>
-            <a:endParaRPr lang="en-US" dirty="0"/>
-          </a:p>
-          <a:p>
-            <a:r>
-              <a:rPr lang="en-US" dirty="0"/>
-              <a:t>Sometimes `on’ is also called `subscribe’ or `register’.</a:t>
-            </a:r>
-          </a:p>
-          <a:p>
             <a:endParaRPr lang="en-US" dirty="0"/>
           </a:p>
         </p:txBody>
@@ -5386,7 +5337,7 @@
           <a:p>
             <a:fld id="{07937F07-1250-4CCE-B198-1B2887014F41}" type="slidenum">
               <a:rPr lang="en-US" smtClean="0"/>
-              <a:t>35</a:t>
+              <a:t>36</a:t>
             </a:fld>
             <a:endParaRPr lang="en-US"/>
           </a:p>
@@ -5395,7 +5346,7 @@
     </p:spTree>
     <p:extLst>
       <p:ext uri="{BB962C8B-B14F-4D97-AF65-F5344CB8AC3E}">
-        <p14:creationId xmlns:p14="http://schemas.microsoft.com/office/powerpoint/2010/main" val="108164340"/>
+        <p14:creationId xmlns:p14="http://schemas.microsoft.com/office/powerpoint/2010/main" val="1548133624"/>
       </p:ext>
     </p:extLst>
   </p:cSld>
@@ -5449,7 +5400,22 @@
           <a:bodyPr/>
           <a:lstStyle/>
           <a:p>
-            <a:endParaRPr lang="en-US" dirty="0"/>
+            <a:r>
+              <a:rPr lang="en-US" dirty="0"/>
+              <a:t>Here's some fancy vocabulary you can use to impress your boss:</a:t>
+            </a:r>
+          </a:p>
+          <a:p>
+            <a:r>
+              <a:rPr lang="en-US" dirty="0"/>
+              <a:t>A communications protocol like the one we've shown is sometimes called a 'choreography', and the implementations of the different agents are called its 'projections'.</a:t>
+            </a:r>
+          </a:p>
+          <a:p>
+            <a:r>
+              <a:rPr lang="en-US" dirty="0"/>
+              <a:t>There are tools that let you write out a choreography in machine-readable form, and will then generate projections automatically.  (Remember our slogan: tools can probably do this better than you can!)</a:t>
+            </a:r>
           </a:p>
         </p:txBody>
       </p:sp>
@@ -5470,106 +5436,7 @@
           <a:p>
             <a:fld id="{07937F07-1250-4CCE-B198-1B2887014F41}" type="slidenum">
               <a:rPr lang="en-US" smtClean="0"/>
-              <a:t>37</a:t>
-            </a:fld>
-            <a:endParaRPr lang="en-US"/>
-          </a:p>
-        </p:txBody>
-      </p:sp>
-    </p:spTree>
-    <p:extLst>
-      <p:ext uri="{BB962C8B-B14F-4D97-AF65-F5344CB8AC3E}">
-        <p14:creationId xmlns:p14="http://schemas.microsoft.com/office/powerpoint/2010/main" val="1548133624"/>
-      </p:ext>
-    </p:extLst>
-  </p:cSld>
-  <p:clrMapOvr>
-    <a:masterClrMapping/>
-  </p:clrMapOvr>
-</p:notes>
-</file>
-
-<file path=ppt/notesSlides/notesSlide28.xml><?xml version="1.0" encoding="utf-8"?>
-<p:notes xmlns:a="http://schemas.openxmlformats.org/drawingml/2006/main" xmlns:r="http://schemas.openxmlformats.org/officeDocument/2006/relationships" xmlns:p="http://schemas.openxmlformats.org/presentationml/2006/main">
-  <p:cSld>
-    <p:spTree>
-      <p:nvGrpSpPr>
-        <p:cNvPr id="1" name=""/>
-        <p:cNvGrpSpPr/>
-        <p:nvPr/>
-      </p:nvGrpSpPr>
-      <p:grpSpPr>
-        <a:xfrm>
-          <a:off x="0" y="0"/>
-          <a:ext cx="0" cy="0"/>
-          <a:chOff x="0" y="0"/>
-          <a:chExt cx="0" cy="0"/>
-        </a:xfrm>
-      </p:grpSpPr>
-      <p:sp>
-        <p:nvSpPr>
-          <p:cNvPr id="2" name="Slide Image Placeholder 1"/>
-          <p:cNvSpPr>
-            <a:spLocks noGrp="1" noRot="1" noChangeAspect="1"/>
-          </p:cNvSpPr>
-          <p:nvPr>
-            <p:ph type="sldImg"/>
-          </p:nvPr>
-        </p:nvSpPr>
-        <p:spPr/>
-      </p:sp>
-      <p:sp>
-        <p:nvSpPr>
-          <p:cNvPr id="3" name="Notes Placeholder 2"/>
-          <p:cNvSpPr>
-            <a:spLocks noGrp="1"/>
-          </p:cNvSpPr>
-          <p:nvPr>
-            <p:ph type="body" idx="1"/>
-          </p:nvPr>
-        </p:nvSpPr>
-        <p:spPr/>
-        <p:txBody>
-          <a:bodyPr/>
-          <a:lstStyle/>
-          <a:p>
-            <a:r>
-              <a:rPr lang="en-US" dirty="0"/>
-              <a:t>Here's some fancy vocabulary you can use to impress your boss:</a:t>
-            </a:r>
-          </a:p>
-          <a:p>
-            <a:r>
-              <a:rPr lang="en-US" dirty="0"/>
-              <a:t>A communications protocol like the one we've shown is sometimes called a 'choreography', and the implementations of the different agents are called its 'projections'.</a:t>
-            </a:r>
-          </a:p>
-          <a:p>
-            <a:r>
-              <a:rPr lang="en-US" dirty="0"/>
-              <a:t>There are tools that let you write out a choreography in machine-readable form, and will then generate projections automatically.  (Remember our slogan: tools can probably do this better than you can!)</a:t>
-            </a:r>
-          </a:p>
-        </p:txBody>
-      </p:sp>
-      <p:sp>
-        <p:nvSpPr>
-          <p:cNvPr id="4" name="Slide Number Placeholder 3"/>
-          <p:cNvSpPr>
-            <a:spLocks noGrp="1"/>
-          </p:cNvSpPr>
-          <p:nvPr>
-            <p:ph type="sldNum" sz="quarter" idx="5"/>
-          </p:nvPr>
-        </p:nvSpPr>
-        <p:spPr/>
-        <p:txBody>
-          <a:bodyPr/>
-          <a:lstStyle/>
-          <a:p>
-            <a:fld id="{07937F07-1250-4CCE-B198-1B2887014F41}" type="slidenum">
-              <a:rPr lang="en-US" smtClean="0"/>
-              <a:t>39</a:t>
+              <a:t>38</a:t>
             </a:fld>
             <a:endParaRPr lang="en-US"/>
           </a:p>
@@ -5588,7 +5455,7 @@
 </p:notes>
 </file>
 
-<file path=ppt/notesSlides/notesSlide29.xml><?xml version="1.0" encoding="utf-8"?>
+<file path=ppt/notesSlides/notesSlide28.xml><?xml version="1.0" encoding="utf-8"?>
 <p:notes xmlns:a="http://schemas.openxmlformats.org/drawingml/2006/main" xmlns:r="http://schemas.openxmlformats.org/officeDocument/2006/relationships" xmlns:p="http://schemas.openxmlformats.org/presentationml/2006/main">
   <p:cSld>
     <p:spTree>
@@ -5727,7 +5594,7 @@
                 <a:tabLst/>
                 <a:defRPr/>
               </a:pPr>
-              <a:t>40</a:t>
+              <a:t>39</a:t>
             </a:fld>
             <a:endParaRPr kumimoji="0" lang="en-US" sz="1200" b="0" i="0" u="none" strike="noStrike" kern="1200" cap="none" spc="0" normalizeH="0" baseline="0" noProof="0">
               <a:ln>
@@ -6356,7 +6223,28 @@
           <a:bodyPr/>
           <a:lstStyle/>
           <a:p>
+            <a:r>
+              <a:rPr lang="en-US" dirty="0"/>
+              <a:t>When there is more than one consumer, this is typically called the Observer Pattern, or the Publish-Subscribe Pattern, or the Listener Pattern.</a:t>
+            </a:r>
+          </a:p>
+          <a:p>
             <a:endParaRPr lang="en-US" dirty="0"/>
+          </a:p>
+          <a:p>
+            <a:r>
+              <a:rPr lang="en-US" dirty="0"/>
+              <a:t>&lt;read slide&gt;</a:t>
+            </a:r>
+          </a:p>
+          <a:p>
+            <a:endParaRPr lang="en-US" dirty="0"/>
+          </a:p>
+          <a:p>
+            <a:r>
+              <a:rPr lang="en-US" dirty="0"/>
+              <a:t>Let’s see how this works, in more detail.</a:t>
+            </a:r>
           </a:p>
         </p:txBody>
       </p:sp>
@@ -6377,7 +6265,7 @@
           <a:p>
             <a:fld id="{07937F07-1250-4CCE-B198-1B2887014F41}" type="slidenum">
               <a:rPr lang="en-US" smtClean="0"/>
-              <a:t>10</a:t>
+              <a:t>13</a:t>
             </a:fld>
             <a:endParaRPr lang="en-US"/>
           </a:p>
@@ -6386,7 +6274,7 @@
     </p:spTree>
     <p:extLst>
       <p:ext uri="{BB962C8B-B14F-4D97-AF65-F5344CB8AC3E}">
-        <p14:creationId xmlns:p14="http://schemas.microsoft.com/office/powerpoint/2010/main" val="3571011098"/>
+        <p14:creationId xmlns:p14="http://schemas.microsoft.com/office/powerpoint/2010/main" val="3285328138"/>
       </p:ext>
     </p:extLst>
   </p:cSld>
@@ -6442,7 +6330,33 @@
           <a:p>
             <a:r>
               <a:rPr lang="en-US" dirty="0"/>
-              <a:t>When there is more than one consumer, this is typically called the Observer Pattern, or the Publish-Subscribe Pattern, or the Listener Pattern.</a:t>
+              <a:t>Here is an interface for a clock using the Push pattern.  </a:t>
+            </a:r>
+          </a:p>
+          <a:p>
+            <a:r>
+              <a:rPr lang="en-US" dirty="0"/>
+              <a:t>&lt;Go through methods&gt;</a:t>
+            </a:r>
+          </a:p>
+          <a:p>
+            <a:r>
+              <a:rPr lang="en-US" dirty="0"/>
+              <a:t>The description of `</a:t>
+            </a:r>
+            <a:r>
+              <a:rPr lang="en-US" dirty="0" err="1"/>
+              <a:t>addListener</a:t>
+            </a:r>
+            <a:r>
+              <a:rPr lang="en-US" dirty="0"/>
+              <a:t>` tells us that a clock may have more than one consumer or listener.</a:t>
+            </a:r>
+          </a:p>
+          <a:p>
+            <a:r>
+              <a:rPr lang="en-US" dirty="0"/>
+              <a:t>A more complete description might mention that the clock can handle some maximum number of consumers, but we don’t care about that here.</a:t>
             </a:r>
           </a:p>
           <a:p>
@@ -6451,17 +6365,17 @@
           <a:p>
             <a:r>
               <a:rPr lang="en-US" dirty="0"/>
-              <a:t>&lt;read slide&gt;</a:t>
+              <a:t>Note that we specify that the listeners/consumers/observers are notified by sending them a notify message with the current time.   If we didn’t specify this, we wouldn’t know how to write a listener. </a:t>
             </a:r>
           </a:p>
           <a:p>
             <a:endParaRPr lang="en-US" dirty="0"/>
           </a:p>
           <a:p>
-            <a:r>
-              <a:rPr lang="en-US" dirty="0"/>
-              <a:t>Let’s see how this works, in more detail.</a:t>
-            </a:r>
+            <a:endParaRPr lang="en-US" dirty="0"/>
+          </a:p>
+          <a:p>
+            <a:endParaRPr lang="en-US" dirty="0"/>
           </a:p>
         </p:txBody>
       </p:sp>
@@ -6491,7 +6405,7 @@
     </p:spTree>
     <p:extLst>
       <p:ext uri="{BB962C8B-B14F-4D97-AF65-F5344CB8AC3E}">
-        <p14:creationId xmlns:p14="http://schemas.microsoft.com/office/powerpoint/2010/main" val="3285328138"/>
+        <p14:creationId xmlns:p14="http://schemas.microsoft.com/office/powerpoint/2010/main" val="4243403126"/>
       </p:ext>
     </p:extLst>
   </p:cSld>
@@ -10726,1089 +10640,6 @@
           <p:cNvPr id="2" name="Title 1">
             <a:extLst>
               <a:ext uri="{FF2B5EF4-FFF2-40B4-BE49-F238E27FC236}">
-                <a16:creationId xmlns:a16="http://schemas.microsoft.com/office/drawing/2014/main" id="{18164030-720A-0C8F-BBF0-A4BAC3CEDDD6}"/>
-              </a:ext>
-            </a:extLst>
-          </p:cNvPr>
-          <p:cNvSpPr>
-            <a:spLocks noGrp="1"/>
-          </p:cNvSpPr>
-          <p:nvPr>
-            <p:ph type="title"/>
-          </p:nvPr>
-        </p:nvSpPr>
-        <p:spPr/>
-        <p:txBody>
-          <a:bodyPr/>
-          <a:lstStyle/>
-          <a:p>
-            <a:r>
-              <a:rPr lang="en-US" dirty="0"/>
-              <a:t>The code is simple…</a:t>
-            </a:r>
-          </a:p>
-        </p:txBody>
-      </p:sp>
-      <p:sp>
-        <p:nvSpPr>
-          <p:cNvPr id="4" name="Slide Number Placeholder 3">
-            <a:extLst>
-              <a:ext uri="{FF2B5EF4-FFF2-40B4-BE49-F238E27FC236}">
-                <a16:creationId xmlns:a16="http://schemas.microsoft.com/office/drawing/2014/main" id="{68F1B5A5-1D64-5FA5-85AD-16D9D9A13836}"/>
-              </a:ext>
-            </a:extLst>
-          </p:cNvPr>
-          <p:cNvSpPr>
-            <a:spLocks noGrp="1"/>
-          </p:cNvSpPr>
-          <p:nvPr>
-            <p:ph type="sldNum" sz="quarter" idx="12"/>
-          </p:nvPr>
-        </p:nvSpPr>
-        <p:spPr/>
-        <p:txBody>
-          <a:bodyPr/>
-          <a:lstStyle/>
-          <a:p>
-            <a:fld id="{20F37917-FD3A-4669-9018-DA04BCDD3D75}" type="slidenum">
-              <a:rPr lang="en-US" smtClean="0"/>
-              <a:t>10</a:t>
-            </a:fld>
-            <a:endParaRPr lang="en-US"/>
-          </a:p>
-        </p:txBody>
-      </p:sp>
-      <p:sp>
-        <p:nvSpPr>
-          <p:cNvPr id="6" name="TextBox 5">
-            <a:extLst>
-              <a:ext uri="{FF2B5EF4-FFF2-40B4-BE49-F238E27FC236}">
-                <a16:creationId xmlns:a16="http://schemas.microsoft.com/office/drawing/2014/main" id="{BCB15F5C-A2F4-EC74-99DB-53FB1E2178B3}"/>
-              </a:ext>
-            </a:extLst>
-          </p:cNvPr>
-          <p:cNvSpPr txBox="1"/>
-          <p:nvPr/>
-        </p:nvSpPr>
-        <p:spPr>
-          <a:xfrm>
-            <a:off x="838200" y="1502688"/>
-            <a:ext cx="8756176" cy="5355312"/>
-          </a:xfrm>
-          <a:prstGeom prst="rect">
-            <a:avLst/>
-          </a:prstGeom>
-          <a:noFill/>
-          <a:ln w="12700" cap="flat" cmpd="sng" algn="ctr">
-            <a:noFill/>
-            <a:prstDash val="solid"/>
-            <a:miter lim="800000"/>
-          </a:ln>
-          <a:effectLst/>
-        </p:spPr>
-        <p:style>
-          <a:lnRef idx="2">
-            <a:schemeClr val="accent1">
-              <a:shade val="50000"/>
-            </a:schemeClr>
-          </a:lnRef>
-          <a:fillRef idx="1">
-            <a:schemeClr val="accent1"/>
-          </a:fillRef>
-          <a:effectRef idx="0">
-            <a:schemeClr val="accent1"/>
-          </a:effectRef>
-          <a:fontRef idx="minor">
-            <a:schemeClr val="lt1"/>
-          </a:fontRef>
-        </p:style>
-        <p:txBody>
-          <a:bodyPr wrap="square">
-            <a:spAutoFit/>
-          </a:bodyPr>
-          <a:lstStyle/>
-          <a:p>
-            <a:pPr>
-              <a:buNone/>
-            </a:pPr>
-            <a:r>
-              <a:rPr lang="en-US" b="0" dirty="0">
-                <a:solidFill>
-                  <a:srgbClr val="0000FF"/>
-                </a:solidFill>
-                <a:effectLst/>
-                <a:latin typeface="Consolas" panose="020B0609020204030204" pitchFamily="49" charset="0"/>
-              </a:rPr>
-              <a:t>import</a:t>
-            </a:r>
-            <a:r>
-              <a:rPr lang="en-US" b="0" dirty="0">
-                <a:solidFill>
-                  <a:srgbClr val="000000"/>
-                </a:solidFill>
-                <a:effectLst/>
-                <a:latin typeface="Consolas" panose="020B0609020204030204" pitchFamily="49" charset="0"/>
-              </a:rPr>
-              <a:t> </a:t>
-            </a:r>
-            <a:r>
-              <a:rPr lang="en-US" b="0" dirty="0" err="1">
-                <a:solidFill>
-                  <a:srgbClr val="000000"/>
-                </a:solidFill>
-                <a:effectLst/>
-                <a:latin typeface="Consolas" panose="020B0609020204030204" pitchFamily="49" charset="0"/>
-              </a:rPr>
-              <a:t>IClock</a:t>
-            </a:r>
-            <a:r>
-              <a:rPr lang="en-US" b="0" dirty="0">
-                <a:solidFill>
-                  <a:srgbClr val="000000"/>
-                </a:solidFill>
-                <a:effectLst/>
-                <a:latin typeface="Consolas" panose="020B0609020204030204" pitchFamily="49" charset="0"/>
-              </a:rPr>
-              <a:t> </a:t>
-            </a:r>
-            <a:r>
-              <a:rPr lang="en-US" b="0" dirty="0">
-                <a:solidFill>
-                  <a:srgbClr val="0000FF"/>
-                </a:solidFill>
-                <a:effectLst/>
-                <a:latin typeface="Consolas" panose="020B0609020204030204" pitchFamily="49" charset="0"/>
-              </a:rPr>
-              <a:t>from</a:t>
-            </a:r>
-            <a:r>
-              <a:rPr lang="en-US" b="0" dirty="0">
-                <a:solidFill>
-                  <a:srgbClr val="000000"/>
-                </a:solidFill>
-                <a:effectLst/>
-                <a:latin typeface="Consolas" panose="020B0609020204030204" pitchFamily="49" charset="0"/>
-              </a:rPr>
-              <a:t> </a:t>
-            </a:r>
-            <a:r>
-              <a:rPr lang="en-US" b="0" dirty="0">
-                <a:solidFill>
-                  <a:srgbClr val="A31515"/>
-                </a:solidFill>
-                <a:effectLst/>
-                <a:latin typeface="Consolas" panose="020B0609020204030204" pitchFamily="49" charset="0"/>
-              </a:rPr>
-              <a:t>"./</a:t>
-            </a:r>
-            <a:r>
-              <a:rPr lang="en-US" b="0" dirty="0" err="1">
-                <a:solidFill>
-                  <a:srgbClr val="A31515"/>
-                </a:solidFill>
-                <a:effectLst/>
-                <a:latin typeface="Consolas" panose="020B0609020204030204" pitchFamily="49" charset="0"/>
-              </a:rPr>
-              <a:t>simpleClock.interface</a:t>
-            </a:r>
-            <a:r>
-              <a:rPr lang="en-US" b="0" dirty="0">
-                <a:solidFill>
-                  <a:srgbClr val="A31515"/>
-                </a:solidFill>
-                <a:effectLst/>
-                <a:latin typeface="Consolas" panose="020B0609020204030204" pitchFamily="49" charset="0"/>
-              </a:rPr>
-              <a:t>"</a:t>
-            </a:r>
-            <a:r>
-              <a:rPr lang="en-US" b="0" dirty="0">
-                <a:solidFill>
-                  <a:srgbClr val="000000"/>
-                </a:solidFill>
-                <a:effectLst/>
-                <a:latin typeface="Consolas" panose="020B0609020204030204" pitchFamily="49" charset="0"/>
-              </a:rPr>
-              <a:t>;</a:t>
-            </a:r>
-          </a:p>
-          <a:p>
-            <a:pPr>
-              <a:buNone/>
-            </a:pPr>
-            <a:br>
-              <a:rPr lang="en-US" b="0" dirty="0">
-                <a:solidFill>
-                  <a:srgbClr val="000000"/>
-                </a:solidFill>
-                <a:effectLst/>
-                <a:latin typeface="Consolas" panose="020B0609020204030204" pitchFamily="49" charset="0"/>
-              </a:rPr>
-            </a:br>
-            <a:r>
-              <a:rPr lang="en-US" b="0" dirty="0">
-                <a:solidFill>
-                  <a:srgbClr val="0000FF"/>
-                </a:solidFill>
-                <a:effectLst/>
-                <a:latin typeface="Consolas" panose="020B0609020204030204" pitchFamily="49" charset="0"/>
-              </a:rPr>
-              <a:t>export</a:t>
-            </a:r>
-            <a:r>
-              <a:rPr lang="en-US" b="0" dirty="0">
-                <a:solidFill>
-                  <a:srgbClr val="000000"/>
-                </a:solidFill>
-                <a:effectLst/>
-                <a:latin typeface="Consolas" panose="020B0609020204030204" pitchFamily="49" charset="0"/>
-              </a:rPr>
-              <a:t> </a:t>
-            </a:r>
-            <a:r>
-              <a:rPr lang="en-US" b="0" dirty="0">
-                <a:solidFill>
-                  <a:srgbClr val="0000FF"/>
-                </a:solidFill>
-                <a:effectLst/>
-                <a:latin typeface="Consolas" panose="020B0609020204030204" pitchFamily="49" charset="0"/>
-              </a:rPr>
-              <a:t>class</a:t>
-            </a:r>
-            <a:r>
-              <a:rPr lang="en-US" b="0" dirty="0">
-                <a:solidFill>
-                  <a:srgbClr val="000000"/>
-                </a:solidFill>
-                <a:effectLst/>
-                <a:latin typeface="Consolas" panose="020B0609020204030204" pitchFamily="49" charset="0"/>
-              </a:rPr>
-              <a:t> </a:t>
-            </a:r>
-            <a:r>
-              <a:rPr lang="en-US" b="0" dirty="0" err="1">
-                <a:solidFill>
-                  <a:srgbClr val="000000"/>
-                </a:solidFill>
-                <a:effectLst/>
-                <a:latin typeface="Consolas" panose="020B0609020204030204" pitchFamily="49" charset="0"/>
-              </a:rPr>
-              <a:t>SimpleClock</a:t>
-            </a:r>
-            <a:r>
-              <a:rPr lang="en-US" b="0" dirty="0">
-                <a:solidFill>
-                  <a:srgbClr val="000000"/>
-                </a:solidFill>
-                <a:effectLst/>
-                <a:latin typeface="Consolas" panose="020B0609020204030204" pitchFamily="49" charset="0"/>
-              </a:rPr>
-              <a:t> </a:t>
-            </a:r>
-            <a:r>
-              <a:rPr lang="en-US" b="0" dirty="0">
-                <a:solidFill>
-                  <a:srgbClr val="0000FF"/>
-                </a:solidFill>
-                <a:effectLst/>
-                <a:latin typeface="Consolas" panose="020B0609020204030204" pitchFamily="49" charset="0"/>
-              </a:rPr>
-              <a:t>implements</a:t>
-            </a:r>
-            <a:r>
-              <a:rPr lang="en-US" b="0" dirty="0">
-                <a:solidFill>
-                  <a:srgbClr val="000000"/>
-                </a:solidFill>
-                <a:effectLst/>
-                <a:latin typeface="Consolas" panose="020B0609020204030204" pitchFamily="49" charset="0"/>
-              </a:rPr>
-              <a:t> </a:t>
-            </a:r>
-            <a:r>
-              <a:rPr lang="en-US" b="0" dirty="0" err="1">
-                <a:solidFill>
-                  <a:srgbClr val="000000"/>
-                </a:solidFill>
-                <a:effectLst/>
-                <a:latin typeface="Consolas" panose="020B0609020204030204" pitchFamily="49" charset="0"/>
-              </a:rPr>
-              <a:t>IClock</a:t>
-            </a:r>
-            <a:r>
-              <a:rPr lang="en-US" b="0" dirty="0">
-                <a:solidFill>
-                  <a:srgbClr val="000000"/>
-                </a:solidFill>
-                <a:effectLst/>
-                <a:latin typeface="Consolas" panose="020B0609020204030204" pitchFamily="49" charset="0"/>
-              </a:rPr>
-              <a:t> {</a:t>
-            </a:r>
-          </a:p>
-          <a:p>
-            <a:pPr>
-              <a:buNone/>
-            </a:pPr>
-            <a:r>
-              <a:rPr lang="en-US" b="0" dirty="0">
-                <a:solidFill>
-                  <a:srgbClr val="000000"/>
-                </a:solidFill>
-                <a:effectLst/>
-                <a:latin typeface="Consolas" panose="020B0609020204030204" pitchFamily="49" charset="0"/>
-              </a:rPr>
-              <a:t>    </a:t>
-            </a:r>
-            <a:r>
-              <a:rPr lang="en-US" b="0" dirty="0">
-                <a:solidFill>
-                  <a:srgbClr val="0000FF"/>
-                </a:solidFill>
-                <a:effectLst/>
-                <a:latin typeface="Consolas" panose="020B0609020204030204" pitchFamily="49" charset="0"/>
-              </a:rPr>
-              <a:t>private</a:t>
-            </a:r>
-            <a:r>
-              <a:rPr lang="en-US" b="0" dirty="0">
-                <a:solidFill>
-                  <a:srgbClr val="000000"/>
-                </a:solidFill>
-                <a:effectLst/>
-                <a:latin typeface="Consolas" panose="020B0609020204030204" pitchFamily="49" charset="0"/>
-              </a:rPr>
-              <a:t> time = </a:t>
-            </a:r>
-            <a:r>
-              <a:rPr lang="en-US" b="0" dirty="0">
-                <a:solidFill>
-                  <a:srgbClr val="098658"/>
-                </a:solidFill>
-                <a:effectLst/>
-                <a:latin typeface="Consolas" panose="020B0609020204030204" pitchFamily="49" charset="0"/>
-              </a:rPr>
-              <a:t>0</a:t>
-            </a:r>
-            <a:endParaRPr lang="en-US" b="0" dirty="0">
-              <a:solidFill>
-                <a:srgbClr val="000000"/>
-              </a:solidFill>
-              <a:effectLst/>
-              <a:latin typeface="Consolas" panose="020B0609020204030204" pitchFamily="49" charset="0"/>
-            </a:endParaRPr>
-          </a:p>
-          <a:p>
-            <a:pPr>
-              <a:buNone/>
-            </a:pPr>
-            <a:br>
-              <a:rPr lang="en-US" b="0" dirty="0">
-                <a:solidFill>
-                  <a:srgbClr val="000000"/>
-                </a:solidFill>
-                <a:effectLst/>
-                <a:latin typeface="Consolas" panose="020B0609020204030204" pitchFamily="49" charset="0"/>
-              </a:rPr>
-            </a:br>
-            <a:r>
-              <a:rPr lang="en-US" b="0" dirty="0">
-                <a:solidFill>
-                  <a:srgbClr val="000000"/>
-                </a:solidFill>
-                <a:effectLst/>
-                <a:latin typeface="Consolas" panose="020B0609020204030204" pitchFamily="49" charset="0"/>
-              </a:rPr>
-              <a:t>    </a:t>
-            </a:r>
-            <a:r>
-              <a:rPr lang="en-US" b="0" dirty="0">
-                <a:solidFill>
-                  <a:srgbClr val="0000FF"/>
-                </a:solidFill>
-                <a:effectLst/>
-                <a:latin typeface="Consolas" panose="020B0609020204030204" pitchFamily="49" charset="0"/>
-              </a:rPr>
-              <a:t>public</a:t>
-            </a:r>
-            <a:r>
-              <a:rPr lang="en-US" b="0" dirty="0">
-                <a:solidFill>
-                  <a:srgbClr val="000000"/>
-                </a:solidFill>
-                <a:effectLst/>
-                <a:latin typeface="Consolas" panose="020B0609020204030204" pitchFamily="49" charset="0"/>
-              </a:rPr>
-              <a:t> reset () : void {</a:t>
-            </a:r>
-            <a:r>
-              <a:rPr lang="en-US" b="0" dirty="0" err="1">
-                <a:solidFill>
-                  <a:srgbClr val="0000FF"/>
-                </a:solidFill>
-                <a:effectLst/>
-                <a:latin typeface="Consolas" panose="020B0609020204030204" pitchFamily="49" charset="0"/>
-              </a:rPr>
-              <a:t>this</a:t>
-            </a:r>
-            <a:r>
-              <a:rPr lang="en-US" b="0" dirty="0" err="1">
-                <a:solidFill>
-                  <a:srgbClr val="000000"/>
-                </a:solidFill>
-                <a:effectLst/>
-                <a:latin typeface="Consolas" panose="020B0609020204030204" pitchFamily="49" charset="0"/>
-              </a:rPr>
-              <a:t>.time</a:t>
-            </a:r>
-            <a:r>
-              <a:rPr lang="en-US" b="0" dirty="0">
-                <a:solidFill>
-                  <a:srgbClr val="000000"/>
-                </a:solidFill>
-                <a:effectLst/>
-                <a:latin typeface="Consolas" panose="020B0609020204030204" pitchFamily="49" charset="0"/>
-              </a:rPr>
-              <a:t> = </a:t>
-            </a:r>
-            <a:r>
-              <a:rPr lang="en-US" b="0" dirty="0">
-                <a:solidFill>
-                  <a:srgbClr val="098658"/>
-                </a:solidFill>
-                <a:effectLst/>
-                <a:latin typeface="Consolas" panose="020B0609020204030204" pitchFamily="49" charset="0"/>
-              </a:rPr>
-              <a:t>0</a:t>
-            </a:r>
-            <a:r>
-              <a:rPr lang="en-US" b="0" dirty="0">
-                <a:solidFill>
-                  <a:srgbClr val="000000"/>
-                </a:solidFill>
-                <a:effectLst/>
-                <a:latin typeface="Consolas" panose="020B0609020204030204" pitchFamily="49" charset="0"/>
-              </a:rPr>
-              <a:t>}</a:t>
-            </a:r>
-          </a:p>
-          <a:p>
-            <a:pPr>
-              <a:buNone/>
-            </a:pPr>
-            <a:br>
-              <a:rPr lang="en-US" b="0" dirty="0">
-                <a:solidFill>
-                  <a:srgbClr val="000000"/>
-                </a:solidFill>
-                <a:effectLst/>
-                <a:latin typeface="Consolas" panose="020B0609020204030204" pitchFamily="49" charset="0"/>
-              </a:rPr>
-            </a:br>
-            <a:r>
-              <a:rPr lang="en-US" b="0" dirty="0">
-                <a:solidFill>
-                  <a:srgbClr val="000000"/>
-                </a:solidFill>
-                <a:effectLst/>
-                <a:latin typeface="Consolas" panose="020B0609020204030204" pitchFamily="49" charset="0"/>
-              </a:rPr>
-              <a:t>    </a:t>
-            </a:r>
-            <a:r>
-              <a:rPr lang="en-US" b="0" dirty="0">
-                <a:solidFill>
-                  <a:srgbClr val="0000FF"/>
-                </a:solidFill>
-                <a:effectLst/>
-                <a:latin typeface="Consolas" panose="020B0609020204030204" pitchFamily="49" charset="0"/>
-              </a:rPr>
-              <a:t>public</a:t>
-            </a:r>
-            <a:r>
-              <a:rPr lang="en-US" b="0" dirty="0">
-                <a:solidFill>
-                  <a:srgbClr val="000000"/>
-                </a:solidFill>
-                <a:effectLst/>
-                <a:latin typeface="Consolas" panose="020B0609020204030204" pitchFamily="49" charset="0"/>
-              </a:rPr>
-              <a:t> tick () : void { </a:t>
-            </a:r>
-            <a:r>
-              <a:rPr lang="en-US" b="0" dirty="0" err="1">
-                <a:solidFill>
-                  <a:srgbClr val="0000FF"/>
-                </a:solidFill>
-                <a:effectLst/>
-                <a:latin typeface="Consolas" panose="020B0609020204030204" pitchFamily="49" charset="0"/>
-              </a:rPr>
-              <a:t>this</a:t>
-            </a:r>
-            <a:r>
-              <a:rPr lang="en-US" b="0" dirty="0" err="1">
-                <a:solidFill>
-                  <a:srgbClr val="000000"/>
-                </a:solidFill>
-                <a:effectLst/>
-                <a:latin typeface="Consolas" panose="020B0609020204030204" pitchFamily="49" charset="0"/>
-              </a:rPr>
-              <a:t>.time</a:t>
-            </a:r>
-            <a:r>
-              <a:rPr lang="en-US" b="0" dirty="0">
-                <a:solidFill>
-                  <a:srgbClr val="000000"/>
-                </a:solidFill>
-                <a:effectLst/>
-                <a:latin typeface="Consolas" panose="020B0609020204030204" pitchFamily="49" charset="0"/>
-              </a:rPr>
-              <a:t>++ }</a:t>
-            </a:r>
-          </a:p>
-          <a:p>
-            <a:pPr>
-              <a:buNone/>
-            </a:pPr>
-            <a:br>
-              <a:rPr lang="en-US" b="0" dirty="0">
-                <a:solidFill>
-                  <a:srgbClr val="000000"/>
-                </a:solidFill>
-                <a:effectLst/>
-                <a:latin typeface="Consolas" panose="020B0609020204030204" pitchFamily="49" charset="0"/>
-              </a:rPr>
-            </a:br>
-            <a:r>
-              <a:rPr lang="en-US" b="0" dirty="0">
-                <a:solidFill>
-                  <a:srgbClr val="000000"/>
-                </a:solidFill>
-                <a:effectLst/>
-                <a:latin typeface="Consolas" panose="020B0609020204030204" pitchFamily="49" charset="0"/>
-              </a:rPr>
-              <a:t>    </a:t>
-            </a:r>
-            <a:r>
-              <a:rPr lang="en-US" b="0" dirty="0">
-                <a:solidFill>
-                  <a:srgbClr val="0000FF"/>
-                </a:solidFill>
-                <a:effectLst/>
-                <a:latin typeface="Consolas" panose="020B0609020204030204" pitchFamily="49" charset="0"/>
-              </a:rPr>
-              <a:t>public</a:t>
-            </a:r>
-            <a:r>
-              <a:rPr lang="en-US" b="0" dirty="0">
-                <a:solidFill>
-                  <a:srgbClr val="000000"/>
-                </a:solidFill>
-                <a:effectLst/>
-                <a:latin typeface="Consolas" panose="020B0609020204030204" pitchFamily="49" charset="0"/>
-              </a:rPr>
-              <a:t> </a:t>
-            </a:r>
-            <a:r>
-              <a:rPr lang="en-US" b="0" dirty="0" err="1">
-                <a:solidFill>
-                  <a:srgbClr val="000000"/>
-                </a:solidFill>
-                <a:effectLst/>
-                <a:latin typeface="Consolas" panose="020B0609020204030204" pitchFamily="49" charset="0"/>
-              </a:rPr>
-              <a:t>getTime</a:t>
-            </a:r>
-            <a:r>
-              <a:rPr lang="en-US" b="0" dirty="0">
-                <a:solidFill>
-                  <a:srgbClr val="000000"/>
-                </a:solidFill>
-                <a:effectLst/>
-                <a:latin typeface="Consolas" panose="020B0609020204030204" pitchFamily="49" charset="0"/>
-              </a:rPr>
-              <a:t>(): number { </a:t>
-            </a:r>
-            <a:r>
-              <a:rPr lang="en-US" b="0" dirty="0">
-                <a:solidFill>
-                  <a:srgbClr val="0000FF"/>
-                </a:solidFill>
-                <a:effectLst/>
-                <a:latin typeface="Consolas" panose="020B0609020204030204" pitchFamily="49" charset="0"/>
-              </a:rPr>
-              <a:t>return</a:t>
-            </a:r>
-            <a:r>
-              <a:rPr lang="en-US" b="0" dirty="0">
-                <a:solidFill>
-                  <a:srgbClr val="000000"/>
-                </a:solidFill>
-                <a:effectLst/>
-                <a:latin typeface="Consolas" panose="020B0609020204030204" pitchFamily="49" charset="0"/>
-              </a:rPr>
-              <a:t> </a:t>
-            </a:r>
-            <a:r>
-              <a:rPr lang="en-US" b="0" dirty="0" err="1">
-                <a:solidFill>
-                  <a:srgbClr val="0000FF"/>
-                </a:solidFill>
-                <a:effectLst/>
-                <a:latin typeface="Consolas" panose="020B0609020204030204" pitchFamily="49" charset="0"/>
-              </a:rPr>
-              <a:t>this</a:t>
-            </a:r>
-            <a:r>
-              <a:rPr lang="en-US" b="0" dirty="0" err="1">
-                <a:solidFill>
-                  <a:srgbClr val="000000"/>
-                </a:solidFill>
-                <a:effectLst/>
-                <a:latin typeface="Consolas" panose="020B0609020204030204" pitchFamily="49" charset="0"/>
-              </a:rPr>
-              <a:t>.time</a:t>
-            </a:r>
-            <a:r>
-              <a:rPr lang="en-US" b="0" dirty="0">
-                <a:solidFill>
-                  <a:srgbClr val="000000"/>
-                </a:solidFill>
-                <a:effectLst/>
-                <a:latin typeface="Consolas" panose="020B0609020204030204" pitchFamily="49" charset="0"/>
-              </a:rPr>
-              <a:t> }</a:t>
-            </a:r>
-          </a:p>
-          <a:p>
-            <a:pPr>
-              <a:buNone/>
-            </a:pPr>
-            <a:r>
-              <a:rPr lang="en-US" b="0" dirty="0">
-                <a:solidFill>
-                  <a:srgbClr val="000000"/>
-                </a:solidFill>
-                <a:effectLst/>
-                <a:latin typeface="Consolas" panose="020B0609020204030204" pitchFamily="49" charset="0"/>
-              </a:rPr>
-              <a:t>}</a:t>
-            </a:r>
-          </a:p>
-          <a:p>
-            <a:pPr>
-              <a:buNone/>
-            </a:pPr>
-            <a:br>
-              <a:rPr lang="en-US" b="0" dirty="0">
-                <a:solidFill>
-                  <a:srgbClr val="000000"/>
-                </a:solidFill>
-                <a:effectLst/>
-                <a:latin typeface="Consolas" panose="020B0609020204030204" pitchFamily="49" charset="0"/>
-              </a:rPr>
-            </a:br>
-            <a:r>
-              <a:rPr lang="en-US" b="0" dirty="0">
-                <a:solidFill>
-                  <a:srgbClr val="0000FF"/>
-                </a:solidFill>
-                <a:effectLst/>
-                <a:latin typeface="Consolas" panose="020B0609020204030204" pitchFamily="49" charset="0"/>
-              </a:rPr>
-              <a:t>export</a:t>
-            </a:r>
-            <a:r>
-              <a:rPr lang="en-US" b="0" dirty="0">
-                <a:solidFill>
-                  <a:srgbClr val="000000"/>
-                </a:solidFill>
-                <a:effectLst/>
-                <a:latin typeface="Consolas" panose="020B0609020204030204" pitchFamily="49" charset="0"/>
-              </a:rPr>
-              <a:t> </a:t>
-            </a:r>
-            <a:r>
-              <a:rPr lang="en-US" b="0" dirty="0">
-                <a:solidFill>
-                  <a:srgbClr val="0000FF"/>
-                </a:solidFill>
-                <a:effectLst/>
-                <a:latin typeface="Consolas" panose="020B0609020204030204" pitchFamily="49" charset="0"/>
-              </a:rPr>
-              <a:t>class</a:t>
-            </a:r>
-            <a:r>
-              <a:rPr lang="en-US" b="0" dirty="0">
-                <a:solidFill>
-                  <a:srgbClr val="000000"/>
-                </a:solidFill>
-                <a:effectLst/>
-                <a:latin typeface="Consolas" panose="020B0609020204030204" pitchFamily="49" charset="0"/>
-              </a:rPr>
-              <a:t> </a:t>
-            </a:r>
-            <a:r>
-              <a:rPr lang="en-US" b="0" dirty="0" err="1">
-                <a:solidFill>
-                  <a:srgbClr val="000000"/>
-                </a:solidFill>
-                <a:effectLst/>
-                <a:latin typeface="Consolas" panose="020B0609020204030204" pitchFamily="49" charset="0"/>
-              </a:rPr>
-              <a:t>ClockClient</a:t>
-            </a:r>
-            <a:r>
-              <a:rPr lang="en-US" b="0" dirty="0">
-                <a:solidFill>
-                  <a:srgbClr val="000000"/>
-                </a:solidFill>
-                <a:effectLst/>
-                <a:latin typeface="Consolas" panose="020B0609020204030204" pitchFamily="49" charset="0"/>
-              </a:rPr>
-              <a:t> {</a:t>
-            </a:r>
-          </a:p>
-          <a:p>
-            <a:pPr>
-              <a:buNone/>
-            </a:pPr>
-            <a:r>
-              <a:rPr lang="en-US" b="0" dirty="0">
-                <a:solidFill>
-                  <a:srgbClr val="000000"/>
-                </a:solidFill>
-                <a:effectLst/>
-                <a:latin typeface="Consolas" panose="020B0609020204030204" pitchFamily="49" charset="0"/>
-              </a:rPr>
-              <a:t>    </a:t>
-            </a:r>
-            <a:r>
-              <a:rPr lang="en-US" b="0" dirty="0">
-                <a:solidFill>
-                  <a:srgbClr val="0000FF"/>
-                </a:solidFill>
-                <a:effectLst/>
-                <a:latin typeface="Consolas" panose="020B0609020204030204" pitchFamily="49" charset="0"/>
-              </a:rPr>
-              <a:t>constructor</a:t>
-            </a:r>
-            <a:r>
-              <a:rPr lang="en-US" b="0" dirty="0">
-                <a:solidFill>
-                  <a:srgbClr val="000000"/>
-                </a:solidFill>
-                <a:effectLst/>
-                <a:latin typeface="Consolas" panose="020B0609020204030204" pitchFamily="49" charset="0"/>
-              </a:rPr>
-              <a:t> (</a:t>
-            </a:r>
-            <a:r>
-              <a:rPr lang="en-US" b="0" dirty="0">
-                <a:solidFill>
-                  <a:srgbClr val="0000FF"/>
-                </a:solidFill>
-                <a:effectLst/>
-                <a:latin typeface="Consolas" panose="020B0609020204030204" pitchFamily="49" charset="0"/>
-              </a:rPr>
-              <a:t>private</a:t>
-            </a:r>
-            <a:r>
-              <a:rPr lang="en-US" b="0" dirty="0">
-                <a:solidFill>
-                  <a:srgbClr val="000000"/>
-                </a:solidFill>
-                <a:effectLst/>
-                <a:latin typeface="Consolas" panose="020B0609020204030204" pitchFamily="49" charset="0"/>
-              </a:rPr>
-              <a:t> </a:t>
-            </a:r>
-            <a:r>
-              <a:rPr lang="en-US" b="0" dirty="0" err="1">
-                <a:solidFill>
-                  <a:srgbClr val="000000"/>
-                </a:solidFill>
-                <a:effectLst/>
-                <a:latin typeface="Consolas" panose="020B0609020204030204" pitchFamily="49" charset="0"/>
-              </a:rPr>
-              <a:t>theclock:IClock</a:t>
-            </a:r>
-            <a:r>
-              <a:rPr lang="en-US" b="0" dirty="0">
-                <a:solidFill>
-                  <a:srgbClr val="000000"/>
-                </a:solidFill>
-                <a:effectLst/>
-                <a:latin typeface="Consolas" panose="020B0609020204030204" pitchFamily="49" charset="0"/>
-              </a:rPr>
-              <a:t>) {}</a:t>
-            </a:r>
-          </a:p>
-          <a:p>
-            <a:pPr>
-              <a:buNone/>
-            </a:pPr>
-            <a:br>
-              <a:rPr lang="en-US" b="0" dirty="0">
-                <a:solidFill>
-                  <a:srgbClr val="000000"/>
-                </a:solidFill>
-                <a:effectLst/>
-                <a:latin typeface="Consolas" panose="020B0609020204030204" pitchFamily="49" charset="0"/>
-              </a:rPr>
-            </a:br>
-            <a:r>
-              <a:rPr lang="en-US" b="0" dirty="0">
-                <a:solidFill>
-                  <a:srgbClr val="000000"/>
-                </a:solidFill>
-                <a:effectLst/>
-                <a:latin typeface="Consolas" panose="020B0609020204030204" pitchFamily="49" charset="0"/>
-              </a:rPr>
-              <a:t>    </a:t>
-            </a:r>
-            <a:r>
-              <a:rPr lang="en-US" b="0" dirty="0" err="1">
-                <a:solidFill>
-                  <a:srgbClr val="000000"/>
-                </a:solidFill>
-                <a:effectLst/>
-                <a:latin typeface="Consolas" panose="020B0609020204030204" pitchFamily="49" charset="0"/>
-              </a:rPr>
-              <a:t>getTimeFromClock</a:t>
-            </a:r>
-            <a:r>
-              <a:rPr lang="en-US" b="0" dirty="0">
-                <a:solidFill>
-                  <a:srgbClr val="000000"/>
-                </a:solidFill>
-                <a:effectLst/>
-                <a:latin typeface="Consolas" panose="020B0609020204030204" pitchFamily="49" charset="0"/>
-              </a:rPr>
-              <a:t> ():number {</a:t>
-            </a:r>
-            <a:r>
-              <a:rPr lang="en-US" b="0" dirty="0">
-                <a:solidFill>
-                  <a:srgbClr val="0000FF"/>
-                </a:solidFill>
-                <a:effectLst/>
-                <a:latin typeface="Consolas" panose="020B0609020204030204" pitchFamily="49" charset="0"/>
-              </a:rPr>
-              <a:t>return</a:t>
-            </a:r>
-            <a:r>
-              <a:rPr lang="en-US" b="0" dirty="0">
-                <a:solidFill>
-                  <a:srgbClr val="000000"/>
-                </a:solidFill>
-                <a:effectLst/>
-                <a:latin typeface="Consolas" panose="020B0609020204030204" pitchFamily="49" charset="0"/>
-              </a:rPr>
-              <a:t> </a:t>
-            </a:r>
-            <a:r>
-              <a:rPr lang="en-US" b="0" dirty="0" err="1">
-                <a:solidFill>
-                  <a:srgbClr val="0000FF"/>
-                </a:solidFill>
-                <a:effectLst/>
-                <a:latin typeface="Consolas" panose="020B0609020204030204" pitchFamily="49" charset="0"/>
-              </a:rPr>
-              <a:t>this</a:t>
-            </a:r>
-            <a:r>
-              <a:rPr lang="en-US" b="0" dirty="0" err="1">
-                <a:solidFill>
-                  <a:srgbClr val="000000"/>
-                </a:solidFill>
-                <a:effectLst/>
-                <a:latin typeface="Consolas" panose="020B0609020204030204" pitchFamily="49" charset="0"/>
-              </a:rPr>
-              <a:t>.theclock.getTime</a:t>
-            </a:r>
-            <a:r>
-              <a:rPr lang="en-US" b="0" dirty="0">
-                <a:solidFill>
-                  <a:srgbClr val="000000"/>
-                </a:solidFill>
-                <a:effectLst/>
-                <a:latin typeface="Consolas" panose="020B0609020204030204" pitchFamily="49" charset="0"/>
-              </a:rPr>
-              <a:t>()}</a:t>
-            </a:r>
-          </a:p>
-          <a:p>
-            <a:pPr>
-              <a:buNone/>
-            </a:pPr>
-            <a:r>
-              <a:rPr lang="en-US" b="0" dirty="0">
-                <a:solidFill>
-                  <a:srgbClr val="000000"/>
-                </a:solidFill>
-                <a:effectLst/>
-                <a:latin typeface="Consolas" panose="020B0609020204030204" pitchFamily="49" charset="0"/>
-              </a:rPr>
-              <a:t>}</a:t>
-            </a:r>
-          </a:p>
-          <a:p>
-            <a:br>
-              <a:rPr lang="en-US" b="0" dirty="0">
-                <a:solidFill>
-                  <a:srgbClr val="000000"/>
-                </a:solidFill>
-                <a:effectLst/>
-                <a:latin typeface="Consolas" panose="020B0609020204030204" pitchFamily="49" charset="0"/>
-              </a:rPr>
-            </a:br>
-            <a:endParaRPr lang="en-US" b="0" dirty="0">
-              <a:solidFill>
-                <a:srgbClr val="000000"/>
-              </a:solidFill>
-              <a:effectLst/>
-              <a:latin typeface="Consolas" panose="020B0609020204030204" pitchFamily="49" charset="0"/>
-            </a:endParaRPr>
-          </a:p>
-        </p:txBody>
-      </p:sp>
-      <p:sp>
-        <p:nvSpPr>
-          <p:cNvPr id="7" name="Rectangle: Rounded Corners 6">
-            <a:extLst>
-              <a:ext uri="{FF2B5EF4-FFF2-40B4-BE49-F238E27FC236}">
-                <a16:creationId xmlns:a16="http://schemas.microsoft.com/office/drawing/2014/main" id="{42B10225-5B23-60E4-4025-9CCBA627D5D0}"/>
-              </a:ext>
-            </a:extLst>
-          </p:cNvPr>
-          <p:cNvSpPr/>
-          <p:nvPr/>
-        </p:nvSpPr>
-        <p:spPr>
-          <a:xfrm>
-            <a:off x="6096000" y="380045"/>
-            <a:ext cx="5870542" cy="601981"/>
-          </a:xfrm>
-          <a:prstGeom prst="roundRect">
-            <a:avLst/>
-          </a:prstGeom>
-          <a:solidFill>
-            <a:schemeClr val="accent6">
-              <a:lumMod val="20000"/>
-              <a:lumOff val="80000"/>
-            </a:schemeClr>
-          </a:solidFill>
-          <a:ln>
-            <a:solidFill>
-              <a:srgbClr val="0070C0"/>
-            </a:solidFill>
-          </a:ln>
-        </p:spPr>
-        <p:style>
-          <a:lnRef idx="2">
-            <a:schemeClr val="accent1">
-              <a:shade val="50000"/>
-            </a:schemeClr>
-          </a:lnRef>
-          <a:fillRef idx="1">
-            <a:schemeClr val="accent1"/>
-          </a:fillRef>
-          <a:effectRef idx="0">
-            <a:schemeClr val="accent1"/>
-          </a:effectRef>
-          <a:fontRef idx="minor">
-            <a:schemeClr val="lt1"/>
-          </a:fontRef>
-        </p:style>
-        <p:txBody>
-          <a:bodyPr rtlCol="0" anchor="ctr"/>
-          <a:lstStyle/>
-          <a:p>
-            <a:pPr algn="ctr"/>
-            <a:r>
-              <a:rPr lang="en-US" sz="2400" dirty="0" err="1">
-                <a:solidFill>
-                  <a:schemeClr val="tx1"/>
-                </a:solidFill>
-              </a:rPr>
-              <a:t>src</a:t>
-            </a:r>
-            <a:r>
-              <a:rPr lang="en-US" sz="2400" dirty="0">
-                <a:solidFill>
-                  <a:schemeClr val="tx1"/>
-                </a:solidFill>
-              </a:rPr>
-              <a:t>/</a:t>
-            </a:r>
-            <a:r>
-              <a:rPr lang="en-US" sz="2400" dirty="0" err="1">
-                <a:solidFill>
-                  <a:schemeClr val="tx1"/>
-                </a:solidFill>
-              </a:rPr>
-              <a:t>clockWithPull</a:t>
-            </a:r>
-            <a:r>
-              <a:rPr lang="en-US" sz="2400" dirty="0">
-                <a:solidFill>
-                  <a:schemeClr val="tx1"/>
-                </a:solidFill>
-              </a:rPr>
-              <a:t>/</a:t>
-            </a:r>
-            <a:r>
-              <a:rPr lang="en-US" sz="2400" dirty="0" err="1">
-                <a:solidFill>
-                  <a:schemeClr val="tx1"/>
-                </a:solidFill>
-              </a:rPr>
-              <a:t>simpleClock.ts</a:t>
-            </a:r>
-            <a:endParaRPr lang="en-US" sz="2400" dirty="0">
-              <a:solidFill>
-                <a:schemeClr val="tx1"/>
-              </a:solidFill>
-            </a:endParaRPr>
-          </a:p>
-        </p:txBody>
-      </p:sp>
-    </p:spTree>
-    <p:extLst>
-      <p:ext uri="{BB962C8B-B14F-4D97-AF65-F5344CB8AC3E}">
-        <p14:creationId xmlns:p14="http://schemas.microsoft.com/office/powerpoint/2010/main" val="2572098488"/>
-      </p:ext>
-    </p:extLst>
-  </p:cSld>
-  <p:clrMapOvr>
-    <a:masterClrMapping/>
-  </p:clrMapOvr>
-</p:sld>
-</file>
-
-<file path=ppt/slides/slide11.xml><?xml version="1.0" encoding="utf-8"?>
-<p:sld xmlns:a="http://schemas.openxmlformats.org/drawingml/2006/main" xmlns:r="http://schemas.openxmlformats.org/officeDocument/2006/relationships" xmlns:p="http://schemas.openxmlformats.org/presentationml/2006/main">
-  <p:cSld>
-    <p:spTree>
-      <p:nvGrpSpPr>
-        <p:cNvPr id="1" name=""/>
-        <p:cNvGrpSpPr/>
-        <p:nvPr/>
-      </p:nvGrpSpPr>
-      <p:grpSpPr>
-        <a:xfrm>
-          <a:off x="0" y="0"/>
-          <a:ext cx="0" cy="0"/>
-          <a:chOff x="0" y="0"/>
-          <a:chExt cx="0" cy="0"/>
-        </a:xfrm>
-      </p:grpSpPr>
-      <p:sp>
-        <p:nvSpPr>
-          <p:cNvPr id="2" name="Title 1">
-            <a:extLst>
-              <a:ext uri="{FF2B5EF4-FFF2-40B4-BE49-F238E27FC236}">
                 <a16:creationId xmlns:a16="http://schemas.microsoft.com/office/drawing/2014/main" id="{A2525294-1E07-1631-B526-D86FDEFB7324}"/>
               </a:ext>
             </a:extLst>
@@ -11855,15 +10686,7 @@
           <a:p>
             <a:r>
               <a:rPr lang="en-US" dirty="0"/>
-              <a:t>because the when the client </a:t>
-            </a:r>
-            <a:r>
-              <a:rPr lang="en-US"/>
-              <a:t>needs some </a:t>
-            </a:r>
-            <a:r>
-              <a:rPr lang="en-US" dirty="0"/>
-              <a:t>data, it </a:t>
+              <a:t>because the when the client needs some data, it </a:t>
             </a:r>
             <a:r>
               <a:rPr lang="en-US" i="1" dirty="0"/>
@@ -11908,7 +10731,7 @@
           <a:p>
             <a:fld id="{20F37917-FD3A-4669-9018-DA04BCDD3D75}" type="slidenum">
               <a:rPr lang="en-US" smtClean="0"/>
-              <a:t>11</a:t>
+              <a:t>10</a:t>
             </a:fld>
             <a:endParaRPr lang="en-US"/>
           </a:p>
@@ -11927,7 +10750,7 @@
 </p:sld>
 </file>
 
-<file path=ppt/slides/slide12.xml><?xml version="1.0" encoding="utf-8"?>
+<file path=ppt/slides/slide11.xml><?xml version="1.0" encoding="utf-8"?>
 <p:sld xmlns:a="http://schemas.openxmlformats.org/drawingml/2006/main" xmlns:r="http://schemas.openxmlformats.org/officeDocument/2006/relationships" xmlns:p="http://schemas.openxmlformats.org/presentationml/2006/main">
   <p:cSld>
     <p:spTree>
@@ -12035,7 +10858,7 @@
           <a:p>
             <a:fld id="{20F37917-FD3A-4669-9018-DA04BCDD3D75}" type="slidenum">
               <a:rPr lang="en-US" smtClean="0"/>
-              <a:t>12</a:t>
+              <a:t>11</a:t>
             </a:fld>
             <a:endParaRPr lang="en-US"/>
           </a:p>
@@ -12054,7 +10877,7 @@
 </p:sld>
 </file>
 
-<file path=ppt/slides/slide13.xml><?xml version="1.0" encoding="utf-8"?>
+<file path=ppt/slides/slide12.xml><?xml version="1.0" encoding="utf-8"?>
 <p:sld xmlns:a="http://schemas.openxmlformats.org/drawingml/2006/main" xmlns:r="http://schemas.openxmlformats.org/officeDocument/2006/relationships" xmlns:p="http://schemas.openxmlformats.org/presentationml/2006/main">
   <p:cSld>
     <p:spTree>
@@ -12164,7 +10987,7 @@
           <a:p>
             <a:fld id="{20F37917-FD3A-4669-9018-DA04BCDD3D75}" type="slidenum">
               <a:rPr lang="en-US" smtClean="0"/>
-              <a:t>13</a:t>
+              <a:t>12</a:t>
             </a:fld>
             <a:endParaRPr lang="en-US"/>
           </a:p>
@@ -12183,7 +11006,7 @@
 </p:sld>
 </file>
 
-<file path=ppt/slides/slide14.xml><?xml version="1.0" encoding="utf-8"?>
+<file path=ppt/slides/slide13.xml><?xml version="1.0" encoding="utf-8"?>
 <p:sld xmlns:a="http://schemas.openxmlformats.org/drawingml/2006/main" xmlns:r="http://schemas.openxmlformats.org/officeDocument/2006/relationships" xmlns:p="http://schemas.openxmlformats.org/presentationml/2006/main">
   <p:cSld>
     <p:spTree>
@@ -12305,7 +11128,7 @@
           <a:p>
             <a:fld id="{20F37917-FD3A-4669-9018-DA04BCDD3D75}" type="slidenum">
               <a:rPr lang="en-US" smtClean="0"/>
-              <a:t>14</a:t>
+              <a:t>13</a:t>
             </a:fld>
             <a:endParaRPr lang="en-US"/>
           </a:p>
@@ -12324,7 +11147,7 @@
 </p:sld>
 </file>
 
-<file path=ppt/slides/slide15.xml><?xml version="1.0" encoding="utf-8"?>
+<file path=ppt/slides/slide14.xml><?xml version="1.0" encoding="utf-8"?>
 <p:sld xmlns:a="http://schemas.openxmlformats.org/drawingml/2006/main" xmlns:r="http://schemas.openxmlformats.org/officeDocument/2006/relationships" xmlns:p="http://schemas.openxmlformats.org/presentationml/2006/main">
   <p:cSld>
     <p:spTree>
@@ -12394,7 +11217,7 @@
           <a:p>
             <a:fld id="{20F37917-FD3A-4669-9018-DA04BCDD3D75}" type="slidenum">
               <a:rPr lang="en-US" smtClean="0"/>
-              <a:t>15</a:t>
+              <a:t>14</a:t>
             </a:fld>
             <a:endParaRPr lang="en-US"/>
           </a:p>
@@ -13017,7 +11840,7 @@
                   <a:schemeClr val="tx1"/>
                 </a:solidFill>
               </a:rPr>
-              <a:t>PushingClock</a:t>
+              <a:t>pushingClock</a:t>
             </a:r>
             <a:r>
               <a:rPr lang="en-US" sz="2400" dirty="0">
@@ -13056,7 +11879,7 @@
 </p:sld>
 </file>
 
-<file path=ppt/slides/slide16.xml><?xml version="1.0" encoding="utf-8"?>
+<file path=ppt/slides/slide15.xml><?xml version="1.0" encoding="utf-8"?>
 <p:sld xmlns:a="http://schemas.openxmlformats.org/drawingml/2006/main" xmlns:r="http://schemas.openxmlformats.org/officeDocument/2006/relationships" xmlns:p="http://schemas.openxmlformats.org/presentationml/2006/main">
   <p:cSld>
     <p:spTree>
@@ -13126,7 +11949,7 @@
           <a:p>
             <a:fld id="{20F37917-FD3A-4669-9018-DA04BCDD3D75}" type="slidenum">
               <a:rPr lang="en-US" smtClean="0"/>
-              <a:t>16</a:t>
+              <a:t>15</a:t>
             </a:fld>
             <a:endParaRPr lang="en-US"/>
           </a:p>
@@ -13556,7 +12379,7 @@
 </p:sld>
 </file>
 
-<file path=ppt/slides/slide17.xml><?xml version="1.0" encoding="utf-8"?>
+<file path=ppt/slides/slide16.xml><?xml version="1.0" encoding="utf-8"?>
 <p:sld xmlns:a="http://schemas.openxmlformats.org/drawingml/2006/main" xmlns:r="http://schemas.openxmlformats.org/officeDocument/2006/relationships" xmlns:p="http://schemas.openxmlformats.org/presentationml/2006/main">
   <p:cSld>
     <p:spTree>
@@ -13626,7 +12449,7 @@
           <a:p>
             <a:fld id="{20F37917-FD3A-4669-9018-DA04BCDD3D75}" type="slidenum">
               <a:rPr lang="en-US" smtClean="0"/>
-              <a:t>17</a:t>
+              <a:t>16</a:t>
             </a:fld>
             <a:endParaRPr lang="en-US"/>
           </a:p>
@@ -15490,7 +14313,7 @@
 </p:sld>
 </file>
 
-<file path=ppt/slides/slide18.xml><?xml version="1.0" encoding="utf-8"?>
+<file path=ppt/slides/slide17.xml><?xml version="1.0" encoding="utf-8"?>
 <p:sld xmlns:a="http://schemas.openxmlformats.org/drawingml/2006/main" xmlns:r="http://schemas.openxmlformats.org/officeDocument/2006/relationships" xmlns:p="http://schemas.openxmlformats.org/presentationml/2006/main">
   <p:cSld>
     <p:spTree>
@@ -15568,7 +14391,7 @@
           <a:p>
             <a:fld id="{20F37917-FD3A-4669-9018-DA04BCDD3D75}" type="slidenum">
               <a:rPr lang="en-US" smtClean="0"/>
-              <a:t>18</a:t>
+              <a:t>17</a:t>
             </a:fld>
             <a:endParaRPr lang="en-US"/>
           </a:p>
@@ -16842,7 +15665,7 @@
 </p:sld>
 </file>
 
-<file path=ppt/slides/slide19.xml><?xml version="1.0" encoding="utf-8"?>
+<file path=ppt/slides/slide18.xml><?xml version="1.0" encoding="utf-8"?>
 <p:sld xmlns:a="http://schemas.openxmlformats.org/drawingml/2006/main" xmlns:r="http://schemas.openxmlformats.org/officeDocument/2006/relationships" xmlns:p="http://schemas.openxmlformats.org/presentationml/2006/main">
   <p:cSld>
     <p:spTree>
@@ -16912,7 +15735,7 @@
           <a:p>
             <a:fld id="{20F37917-FD3A-4669-9018-DA04BCDD3D75}" type="slidenum">
               <a:rPr lang="en-US" smtClean="0"/>
-              <a:t>19</a:t>
+              <a:t>18</a:t>
             </a:fld>
             <a:endParaRPr lang="en-US"/>
           </a:p>
@@ -17765,214 +16588,7 @@
 </p:sld>
 </file>
 
-<file path=ppt/slides/slide2.xml><?xml version="1.0" encoding="utf-8"?>
-<p:sld xmlns:a="http://schemas.openxmlformats.org/drawingml/2006/main" xmlns:r="http://schemas.openxmlformats.org/officeDocument/2006/relationships" xmlns:p="http://schemas.openxmlformats.org/presentationml/2006/main">
-  <p:cSld>
-    <p:spTree>
-      <p:nvGrpSpPr>
-        <p:cNvPr id="1" name=""/>
-        <p:cNvGrpSpPr/>
-        <p:nvPr/>
-      </p:nvGrpSpPr>
-      <p:grpSpPr>
-        <a:xfrm>
-          <a:off x="0" y="0"/>
-          <a:ext cx="0" cy="0"/>
-          <a:chOff x="0" y="0"/>
-          <a:chExt cx="0" cy="0"/>
-        </a:xfrm>
-      </p:grpSpPr>
-      <p:sp>
-        <p:nvSpPr>
-          <p:cNvPr id="2" name="Title 1">
-            <a:extLst>
-              <a:ext uri="{FF2B5EF4-FFF2-40B4-BE49-F238E27FC236}">
-                <a16:creationId xmlns:a16="http://schemas.microsoft.com/office/drawing/2014/main" id="{E743D407-5B53-49A7-9907-E801EA7FFD8E}"/>
-              </a:ext>
-            </a:extLst>
-          </p:cNvPr>
-          <p:cNvSpPr>
-            <a:spLocks noGrp="1"/>
-          </p:cNvSpPr>
-          <p:nvPr>
-            <p:ph type="title"/>
-          </p:nvPr>
-        </p:nvSpPr>
-        <p:spPr/>
-        <p:txBody>
-          <a:bodyPr/>
-          <a:lstStyle/>
-          <a:p>
-            <a:r>
-              <a:rPr lang="en-US" dirty="0"/>
-              <a:t>Learning Goals for this Lesson</a:t>
-            </a:r>
-          </a:p>
-        </p:txBody>
-      </p:sp>
-      <p:sp>
-        <p:nvSpPr>
-          <p:cNvPr id="3" name="Content Placeholder 2">
-            <a:extLst>
-              <a:ext uri="{FF2B5EF4-FFF2-40B4-BE49-F238E27FC236}">
-                <a16:creationId xmlns:a16="http://schemas.microsoft.com/office/drawing/2014/main" id="{AC300E2B-BFD0-4090-AFC5-FE82683F997F}"/>
-              </a:ext>
-            </a:extLst>
-          </p:cNvPr>
-          <p:cNvSpPr>
-            <a:spLocks noGrp="1"/>
-          </p:cNvSpPr>
-          <p:nvPr>
-            <p:ph idx="1"/>
-          </p:nvPr>
-        </p:nvSpPr>
-        <p:spPr/>
-        <p:txBody>
-          <a:bodyPr/>
-          <a:lstStyle/>
-          <a:p>
-            <a:r>
-              <a:rPr lang="en-US" dirty="0"/>
-              <a:t>By the end of this lesson, you should be able to</a:t>
-            </a:r>
-          </a:p>
-          <a:p>
-            <a:pPr lvl="1"/>
-            <a:r>
-              <a:rPr lang="en-US" dirty="0">
-                <a:solidFill>
-                  <a:srgbClr val="24292F"/>
-                </a:solidFill>
-              </a:rPr>
-              <a:t>Explain how </a:t>
-            </a:r>
-            <a:r>
-              <a:rPr lang="en-US" b="0" i="0" dirty="0">
-                <a:solidFill>
-                  <a:srgbClr val="24292F"/>
-                </a:solidFill>
-                <a:effectLst/>
-              </a:rPr>
-              <a:t>patterns capture common solutions and tradeoffs for recurring problems.</a:t>
-            </a:r>
-          </a:p>
-          <a:p>
-            <a:pPr lvl="1"/>
-            <a:r>
-              <a:rPr lang="en-US" dirty="0">
-                <a:solidFill>
-                  <a:srgbClr val="24292F"/>
-                </a:solidFill>
-              </a:rPr>
-              <a:t>Explain and give an example of each of the following:</a:t>
-            </a:r>
-          </a:p>
-          <a:p>
-            <a:pPr lvl="2"/>
-            <a:r>
-              <a:rPr lang="en-US" dirty="0">
-                <a:solidFill>
-                  <a:srgbClr val="24292F"/>
-                </a:solidFill>
-              </a:rPr>
-              <a:t>The Demand-Pull pattern</a:t>
-            </a:r>
-          </a:p>
-          <a:p>
-            <a:pPr lvl="2"/>
-            <a:r>
-              <a:rPr lang="en-US" dirty="0">
-                <a:solidFill>
-                  <a:srgbClr val="24292F"/>
-                </a:solidFill>
-              </a:rPr>
-              <a:t>The Data-Push (aka Listener or Observer) pattern</a:t>
-            </a:r>
-          </a:p>
-          <a:p>
-            <a:pPr lvl="2"/>
-            <a:r>
-              <a:rPr lang="en-US" dirty="0">
-                <a:solidFill>
-                  <a:srgbClr val="24292F"/>
-                </a:solidFill>
-              </a:rPr>
-              <a:t>The Callback or Handler pattern</a:t>
-            </a:r>
-          </a:p>
-          <a:p>
-            <a:pPr lvl="2"/>
-            <a:r>
-              <a:rPr lang="en-US" dirty="0">
-                <a:solidFill>
-                  <a:srgbClr val="24292F"/>
-                </a:solidFill>
-              </a:rPr>
-              <a:t>The </a:t>
-            </a:r>
-            <a:r>
-              <a:rPr lang="en-US">
-                <a:solidFill>
-                  <a:srgbClr val="24292F"/>
-                </a:solidFill>
-              </a:rPr>
-              <a:t>Typed-Emitter pattern</a:t>
-            </a:r>
-            <a:endParaRPr lang="en-US" dirty="0">
-              <a:solidFill>
-                <a:srgbClr val="24292F"/>
-              </a:solidFill>
-            </a:endParaRPr>
-          </a:p>
-          <a:p>
-            <a:pPr lvl="2"/>
-            <a:endParaRPr lang="en-US" dirty="0"/>
-          </a:p>
-        </p:txBody>
-      </p:sp>
-      <p:sp>
-        <p:nvSpPr>
-          <p:cNvPr id="4" name="Slide Number Placeholder 3">
-            <a:extLst>
-              <a:ext uri="{FF2B5EF4-FFF2-40B4-BE49-F238E27FC236}">
-                <a16:creationId xmlns:a16="http://schemas.microsoft.com/office/drawing/2014/main" id="{B7BF3F82-6F96-41E0-9C15-23CE00076176}"/>
-              </a:ext>
-            </a:extLst>
-          </p:cNvPr>
-          <p:cNvSpPr>
-            <a:spLocks noGrp="1"/>
-          </p:cNvSpPr>
-          <p:nvPr>
-            <p:ph type="sldNum" sz="quarter" idx="12"/>
-          </p:nvPr>
-        </p:nvSpPr>
-        <p:spPr/>
-        <p:txBody>
-          <a:bodyPr/>
-          <a:lstStyle/>
-          <a:p>
-            <a:fld id="{20F37917-FD3A-4669-9018-DA04BCDD3D75}" type="slidenum">
-              <a:rPr lang="en-US" smtClean="0"/>
-              <a:t>2</a:t>
-            </a:fld>
-            <a:endParaRPr lang="en-US"/>
-          </a:p>
-        </p:txBody>
-      </p:sp>
-    </p:spTree>
-    <p:extLst>
-      <p:ext uri="{BB962C8B-B14F-4D97-AF65-F5344CB8AC3E}">
-        <p14:creationId xmlns:p14="http://schemas.microsoft.com/office/powerpoint/2010/main" val="3158287491"/>
-      </p:ext>
-    </p:extLst>
-  </p:cSld>
-  <p:clrMapOvr>
-    <a:masterClrMapping/>
-  </p:clrMapOvr>
-</p:sld>
-</file>
-
-<file path=ppt/slides/slide20.xml><?xml version="1.0" encoding="utf-8"?>
+<file path=ppt/slides/slide19.xml><?xml version="1.0" encoding="utf-8"?>
 <p:sld xmlns:a="http://schemas.openxmlformats.org/drawingml/2006/main" xmlns:r="http://schemas.openxmlformats.org/officeDocument/2006/relationships" xmlns:p="http://schemas.openxmlformats.org/presentationml/2006/main">
   <p:cSld>
     <p:spTree>
@@ -18042,7 +16658,7 @@
           <a:p>
             <a:fld id="{20F37917-FD3A-4669-9018-DA04BCDD3D75}" type="slidenum">
               <a:rPr lang="en-US" smtClean="0"/>
-              <a:t>20</a:t>
+              <a:t>19</a:t>
             </a:fld>
             <a:endParaRPr lang="en-US"/>
           </a:p>
@@ -19215,7 +17831,214 @@
 </p:sld>
 </file>
 
-<file path=ppt/slides/slide21.xml><?xml version="1.0" encoding="utf-8"?>
+<file path=ppt/slides/slide2.xml><?xml version="1.0" encoding="utf-8"?>
+<p:sld xmlns:a="http://schemas.openxmlformats.org/drawingml/2006/main" xmlns:r="http://schemas.openxmlformats.org/officeDocument/2006/relationships" xmlns:p="http://schemas.openxmlformats.org/presentationml/2006/main">
+  <p:cSld>
+    <p:spTree>
+      <p:nvGrpSpPr>
+        <p:cNvPr id="1" name=""/>
+        <p:cNvGrpSpPr/>
+        <p:nvPr/>
+      </p:nvGrpSpPr>
+      <p:grpSpPr>
+        <a:xfrm>
+          <a:off x="0" y="0"/>
+          <a:ext cx="0" cy="0"/>
+          <a:chOff x="0" y="0"/>
+          <a:chExt cx="0" cy="0"/>
+        </a:xfrm>
+      </p:grpSpPr>
+      <p:sp>
+        <p:nvSpPr>
+          <p:cNvPr id="2" name="Title 1">
+            <a:extLst>
+              <a:ext uri="{FF2B5EF4-FFF2-40B4-BE49-F238E27FC236}">
+                <a16:creationId xmlns:a16="http://schemas.microsoft.com/office/drawing/2014/main" id="{E743D407-5B53-49A7-9907-E801EA7FFD8E}"/>
+              </a:ext>
+            </a:extLst>
+          </p:cNvPr>
+          <p:cNvSpPr>
+            <a:spLocks noGrp="1"/>
+          </p:cNvSpPr>
+          <p:nvPr>
+            <p:ph type="title"/>
+          </p:nvPr>
+        </p:nvSpPr>
+        <p:spPr/>
+        <p:txBody>
+          <a:bodyPr/>
+          <a:lstStyle/>
+          <a:p>
+            <a:r>
+              <a:rPr lang="en-US" dirty="0"/>
+              <a:t>Learning Goals for this Lesson</a:t>
+            </a:r>
+          </a:p>
+        </p:txBody>
+      </p:sp>
+      <p:sp>
+        <p:nvSpPr>
+          <p:cNvPr id="3" name="Content Placeholder 2">
+            <a:extLst>
+              <a:ext uri="{FF2B5EF4-FFF2-40B4-BE49-F238E27FC236}">
+                <a16:creationId xmlns:a16="http://schemas.microsoft.com/office/drawing/2014/main" id="{AC300E2B-BFD0-4090-AFC5-FE82683F997F}"/>
+              </a:ext>
+            </a:extLst>
+          </p:cNvPr>
+          <p:cNvSpPr>
+            <a:spLocks noGrp="1"/>
+          </p:cNvSpPr>
+          <p:nvPr>
+            <p:ph idx="1"/>
+          </p:nvPr>
+        </p:nvSpPr>
+        <p:spPr/>
+        <p:txBody>
+          <a:bodyPr/>
+          <a:lstStyle/>
+          <a:p>
+            <a:r>
+              <a:rPr lang="en-US" dirty="0"/>
+              <a:t>By the end of this lesson, you should be able to</a:t>
+            </a:r>
+          </a:p>
+          <a:p>
+            <a:pPr lvl="1"/>
+            <a:r>
+              <a:rPr lang="en-US" dirty="0">
+                <a:solidFill>
+                  <a:srgbClr val="24292F"/>
+                </a:solidFill>
+              </a:rPr>
+              <a:t>Explain how </a:t>
+            </a:r>
+            <a:r>
+              <a:rPr lang="en-US" b="0" i="0" dirty="0">
+                <a:solidFill>
+                  <a:srgbClr val="24292F"/>
+                </a:solidFill>
+                <a:effectLst/>
+              </a:rPr>
+              <a:t>patterns capture common solutions and tradeoffs for recurring problems.</a:t>
+            </a:r>
+          </a:p>
+          <a:p>
+            <a:pPr lvl="1"/>
+            <a:r>
+              <a:rPr lang="en-US" dirty="0">
+                <a:solidFill>
+                  <a:srgbClr val="24292F"/>
+                </a:solidFill>
+              </a:rPr>
+              <a:t>Explain and give an example of each of the following:</a:t>
+            </a:r>
+          </a:p>
+          <a:p>
+            <a:pPr lvl="2"/>
+            <a:r>
+              <a:rPr lang="en-US" dirty="0">
+                <a:solidFill>
+                  <a:srgbClr val="24292F"/>
+                </a:solidFill>
+              </a:rPr>
+              <a:t>The Demand-Pull pattern</a:t>
+            </a:r>
+          </a:p>
+          <a:p>
+            <a:pPr lvl="2"/>
+            <a:r>
+              <a:rPr lang="en-US" dirty="0">
+                <a:solidFill>
+                  <a:srgbClr val="24292F"/>
+                </a:solidFill>
+              </a:rPr>
+              <a:t>The Data-Push (aka Listener or Observer) pattern</a:t>
+            </a:r>
+          </a:p>
+          <a:p>
+            <a:pPr lvl="2"/>
+            <a:r>
+              <a:rPr lang="en-US" dirty="0">
+                <a:solidFill>
+                  <a:srgbClr val="24292F"/>
+                </a:solidFill>
+              </a:rPr>
+              <a:t>The Callback or Handler pattern</a:t>
+            </a:r>
+          </a:p>
+          <a:p>
+            <a:pPr lvl="2"/>
+            <a:r>
+              <a:rPr lang="en-US" dirty="0">
+                <a:solidFill>
+                  <a:srgbClr val="24292F"/>
+                </a:solidFill>
+              </a:rPr>
+              <a:t>The </a:t>
+            </a:r>
+            <a:r>
+              <a:rPr lang="en-US">
+                <a:solidFill>
+                  <a:srgbClr val="24292F"/>
+                </a:solidFill>
+              </a:rPr>
+              <a:t>Typed-Emitter pattern</a:t>
+            </a:r>
+            <a:endParaRPr lang="en-US" dirty="0">
+              <a:solidFill>
+                <a:srgbClr val="24292F"/>
+              </a:solidFill>
+            </a:endParaRPr>
+          </a:p>
+          <a:p>
+            <a:pPr lvl="2"/>
+            <a:endParaRPr lang="en-US" dirty="0"/>
+          </a:p>
+        </p:txBody>
+      </p:sp>
+      <p:sp>
+        <p:nvSpPr>
+          <p:cNvPr id="4" name="Slide Number Placeholder 3">
+            <a:extLst>
+              <a:ext uri="{FF2B5EF4-FFF2-40B4-BE49-F238E27FC236}">
+                <a16:creationId xmlns:a16="http://schemas.microsoft.com/office/drawing/2014/main" id="{B7BF3F82-6F96-41E0-9C15-23CE00076176}"/>
+              </a:ext>
+            </a:extLst>
+          </p:cNvPr>
+          <p:cNvSpPr>
+            <a:spLocks noGrp="1"/>
+          </p:cNvSpPr>
+          <p:nvPr>
+            <p:ph type="sldNum" sz="quarter" idx="12"/>
+          </p:nvPr>
+        </p:nvSpPr>
+        <p:spPr/>
+        <p:txBody>
+          <a:bodyPr/>
+          <a:lstStyle/>
+          <a:p>
+            <a:fld id="{20F37917-FD3A-4669-9018-DA04BCDD3D75}" type="slidenum">
+              <a:rPr lang="en-US" smtClean="0"/>
+              <a:t>2</a:t>
+            </a:fld>
+            <a:endParaRPr lang="en-US"/>
+          </a:p>
+        </p:txBody>
+      </p:sp>
+    </p:spTree>
+    <p:extLst>
+      <p:ext uri="{BB962C8B-B14F-4D97-AF65-F5344CB8AC3E}">
+        <p14:creationId xmlns:p14="http://schemas.microsoft.com/office/powerpoint/2010/main" val="3158287491"/>
+      </p:ext>
+    </p:extLst>
+  </p:cSld>
+  <p:clrMapOvr>
+    <a:masterClrMapping/>
+  </p:clrMapOvr>
+</p:sld>
+</file>
+
+<file path=ppt/slides/slide20.xml><?xml version="1.0" encoding="utf-8"?>
 <p:sld xmlns:a="http://schemas.openxmlformats.org/drawingml/2006/main" xmlns:r="http://schemas.openxmlformats.org/officeDocument/2006/relationships" xmlns:p="http://schemas.openxmlformats.org/presentationml/2006/main">
   <p:cSld>
     <p:spTree>
@@ -19285,7 +18108,7 @@
           <a:p>
             <a:fld id="{20F37917-FD3A-4669-9018-DA04BCDD3D75}" type="slidenum">
               <a:rPr lang="en-US" smtClean="0"/>
-              <a:t>21</a:t>
+              <a:t>20</a:t>
             </a:fld>
             <a:endParaRPr lang="en-US"/>
           </a:p>
@@ -20194,7 +19017,7 @@
 </p:sld>
 </file>
 
-<file path=ppt/slides/slide22.xml><?xml version="1.0" encoding="utf-8"?>
+<file path=ppt/slides/slide21.xml><?xml version="1.0" encoding="utf-8"?>
 <p:sld xmlns:a="http://schemas.openxmlformats.org/drawingml/2006/main" xmlns:r="http://schemas.openxmlformats.org/officeDocument/2006/relationships" xmlns:p="http://schemas.openxmlformats.org/presentationml/2006/main">
   <p:cSld>
     <p:spTree>
@@ -20262,7 +19085,7 @@
           <a:p>
             <a:fld id="{20F37917-FD3A-4669-9018-DA04BCDD3D75}" type="slidenum">
               <a:rPr lang="en-US" smtClean="0"/>
-              <a:t>22</a:t>
+              <a:t>21</a:t>
             </a:fld>
             <a:endParaRPr lang="en-US"/>
           </a:p>
@@ -21546,7 +20369,7 @@
 </p:sld>
 </file>
 
-<file path=ppt/slides/slide23.xml><?xml version="1.0" encoding="utf-8"?>
+<file path=ppt/slides/slide22.xml><?xml version="1.0" encoding="utf-8"?>
 <p:sld xmlns:a="http://schemas.openxmlformats.org/drawingml/2006/main" xmlns:r="http://schemas.openxmlformats.org/officeDocument/2006/relationships" xmlns:p="http://schemas.openxmlformats.org/presentationml/2006/main">
   <p:cSld>
     <p:spTree>
@@ -21614,7 +20437,7 @@
           <a:p>
             <a:fld id="{20F37917-FD3A-4669-9018-DA04BCDD3D75}" type="slidenum">
               <a:rPr lang="en-US" smtClean="0"/>
-              <a:t>23</a:t>
+              <a:t>22</a:t>
             </a:fld>
             <a:endParaRPr lang="en-US"/>
           </a:p>
@@ -22082,7 +20905,7 @@
 </p:sld>
 </file>
 
-<file path=ppt/slides/slide24.xml><?xml version="1.0" encoding="utf-8"?>
+<file path=ppt/slides/slide23.xml><?xml version="1.0" encoding="utf-8"?>
 <p:sld xmlns:a="http://schemas.openxmlformats.org/drawingml/2006/main" xmlns:r="http://schemas.openxmlformats.org/officeDocument/2006/relationships" xmlns:p="http://schemas.openxmlformats.org/presentationml/2006/main" show="0">
   <p:cSld>
     <p:spTree>
@@ -22443,7 +21266,7 @@
           <a:p>
             <a:fld id="{20F37917-FD3A-4669-9018-DA04BCDD3D75}" type="slidenum">
               <a:rPr lang="en-US" smtClean="0"/>
-              <a:t>24</a:t>
+              <a:t>23</a:t>
             </a:fld>
             <a:endParaRPr lang="en-US"/>
           </a:p>
@@ -22462,7 +21285,7 @@
 </p:sld>
 </file>
 
-<file path=ppt/slides/slide25.xml><?xml version="1.0" encoding="utf-8"?>
+<file path=ppt/slides/slide24.xml><?xml version="1.0" encoding="utf-8"?>
 <p:sld xmlns:a="http://schemas.openxmlformats.org/drawingml/2006/main" xmlns:r="http://schemas.openxmlformats.org/officeDocument/2006/relationships" xmlns:p="http://schemas.openxmlformats.org/presentationml/2006/main" show="0">
   <p:cSld>
     <p:spTree>
@@ -22607,7 +21430,7 @@
           <a:p>
             <a:fld id="{20F37917-FD3A-4669-9018-DA04BCDD3D75}" type="slidenum">
               <a:rPr lang="en-US" smtClean="0"/>
-              <a:t>25</a:t>
+              <a:t>24</a:t>
             </a:fld>
             <a:endParaRPr lang="en-US"/>
           </a:p>
@@ -22626,7 +21449,7 @@
 </p:sld>
 </file>
 
-<file path=ppt/slides/slide26.xml><?xml version="1.0" encoding="utf-8"?>
+<file path=ppt/slides/slide25.xml><?xml version="1.0" encoding="utf-8"?>
 <p:sld xmlns:a="http://schemas.openxmlformats.org/drawingml/2006/main" xmlns:r="http://schemas.openxmlformats.org/officeDocument/2006/relationships" xmlns:p="http://schemas.openxmlformats.org/presentationml/2006/main">
   <p:cSld>
     <p:spTree>
@@ -22702,7 +21525,7 @@
           <a:p>
             <a:fld id="{20F37917-FD3A-4669-9018-DA04BCDD3D75}" type="slidenum">
               <a:rPr lang="en-US" smtClean="0"/>
-              <a:t>26</a:t>
+              <a:t>25</a:t>
             </a:fld>
             <a:endParaRPr lang="en-US"/>
           </a:p>
@@ -23998,7 +22821,7 @@
 </p:sld>
 </file>
 
-<file path=ppt/slides/slide27.xml><?xml version="1.0" encoding="utf-8"?>
+<file path=ppt/slides/slide26.xml><?xml version="1.0" encoding="utf-8"?>
 <p:sld xmlns:a="http://schemas.openxmlformats.org/drawingml/2006/main" xmlns:r="http://schemas.openxmlformats.org/officeDocument/2006/relationships" xmlns:p="http://schemas.openxmlformats.org/presentationml/2006/main">
   <p:cSld>
     <p:spTree>
@@ -24148,7 +22971,7 @@
           <a:p>
             <a:fld id="{20F37917-FD3A-4669-9018-DA04BCDD3D75}" type="slidenum">
               <a:rPr lang="en-US" smtClean="0"/>
-              <a:t>27</a:t>
+              <a:t>26</a:t>
             </a:fld>
             <a:endParaRPr lang="en-US"/>
           </a:p>
@@ -24167,7 +22990,7 @@
 </p:sld>
 </file>
 
-<file path=ppt/slides/slide28.xml><?xml version="1.0" encoding="utf-8"?>
+<file path=ppt/slides/slide27.xml><?xml version="1.0" encoding="utf-8"?>
 <p:sld xmlns:a="http://schemas.openxmlformats.org/drawingml/2006/main" xmlns:r="http://schemas.openxmlformats.org/officeDocument/2006/relationships" xmlns:p="http://schemas.openxmlformats.org/presentationml/2006/main">
   <p:cSld>
     <p:spTree>
@@ -24235,7 +23058,7 @@
           <a:p>
             <a:fld id="{20F37917-FD3A-4669-9018-DA04BCDD3D75}" type="slidenum">
               <a:rPr lang="en-US" smtClean="0"/>
-              <a:t>28</a:t>
+              <a:t>27</a:t>
             </a:fld>
             <a:endParaRPr lang="en-US"/>
           </a:p>
@@ -25003,7 +23826,7 @@
 </p:sld>
 </file>
 
-<file path=ppt/slides/slide29.xml><?xml version="1.0" encoding="utf-8"?>
+<file path=ppt/slides/slide28.xml><?xml version="1.0" encoding="utf-8"?>
 <p:sld xmlns:a="http://schemas.openxmlformats.org/drawingml/2006/main" xmlns:r="http://schemas.openxmlformats.org/officeDocument/2006/relationships" xmlns:p="http://schemas.openxmlformats.org/presentationml/2006/main">
   <p:cSld>
     <p:spTree>
@@ -25071,7 +23894,7 @@
           <a:p>
             <a:fld id="{20F37917-FD3A-4669-9018-DA04BCDD3D75}" type="slidenum">
               <a:rPr lang="en-US" smtClean="0"/>
-              <a:t>29</a:t>
+              <a:t>28</a:t>
             </a:fld>
             <a:endParaRPr lang="en-US"/>
           </a:p>
@@ -26063,171 +24886,7 @@
 </p:sld>
 </file>
 
-<file path=ppt/slides/slide3.xml><?xml version="1.0" encoding="utf-8"?>
-<p:sld xmlns:a="http://schemas.openxmlformats.org/drawingml/2006/main" xmlns:r="http://schemas.openxmlformats.org/officeDocument/2006/relationships" xmlns:p="http://schemas.openxmlformats.org/presentationml/2006/main">
-  <p:cSld>
-    <p:spTree>
-      <p:nvGrpSpPr>
-        <p:cNvPr id="1" name=""/>
-        <p:cNvGrpSpPr/>
-        <p:nvPr/>
-      </p:nvGrpSpPr>
-      <p:grpSpPr>
-        <a:xfrm>
-          <a:off x="0" y="0"/>
-          <a:ext cx="0" cy="0"/>
-          <a:chOff x="0" y="0"/>
-          <a:chExt cx="0" cy="0"/>
-        </a:xfrm>
-      </p:grpSpPr>
-      <p:sp>
-        <p:nvSpPr>
-          <p:cNvPr id="2" name="Title 1">
-            <a:extLst>
-              <a:ext uri="{FF2B5EF4-FFF2-40B4-BE49-F238E27FC236}">
-                <a16:creationId xmlns:a16="http://schemas.microsoft.com/office/drawing/2014/main" id="{182906D6-717F-C95E-C7BA-4A6611B09494}"/>
-              </a:ext>
-            </a:extLst>
-          </p:cNvPr>
-          <p:cNvSpPr>
-            <a:spLocks noGrp="1"/>
-          </p:cNvSpPr>
-          <p:nvPr>
-            <p:ph type="title"/>
-          </p:nvPr>
-        </p:nvSpPr>
-        <p:spPr/>
-        <p:txBody>
-          <a:bodyPr/>
-          <a:lstStyle/>
-          <a:p>
-            <a:r>
-              <a:rPr lang="en-US" dirty="0"/>
-              <a:t>What is a Pattern?</a:t>
-            </a:r>
-          </a:p>
-        </p:txBody>
-      </p:sp>
-      <p:sp>
-        <p:nvSpPr>
-          <p:cNvPr id="3" name="Content Placeholder 2">
-            <a:extLst>
-              <a:ext uri="{FF2B5EF4-FFF2-40B4-BE49-F238E27FC236}">
-                <a16:creationId xmlns:a16="http://schemas.microsoft.com/office/drawing/2014/main" id="{5D7C592F-1F68-3262-275C-DAAE284725A7}"/>
-              </a:ext>
-            </a:extLst>
-          </p:cNvPr>
-          <p:cNvSpPr>
-            <a:spLocks noGrp="1"/>
-          </p:cNvSpPr>
-          <p:nvPr>
-            <p:ph idx="1"/>
-          </p:nvPr>
-        </p:nvSpPr>
-        <p:spPr/>
-        <p:txBody>
-          <a:bodyPr>
-            <a:normAutofit lnSpcReduction="10000"/>
-          </a:bodyPr>
-          <a:lstStyle/>
-          <a:p>
-            <a:r>
-              <a:rPr lang="en-US" dirty="0"/>
-              <a:t>A Pattern is a summary of a standard solution (or solutions) to a specific class of problems.</a:t>
-            </a:r>
-          </a:p>
-          <a:p>
-            <a:r>
-              <a:rPr lang="en-US" dirty="0"/>
-              <a:t>A pattern should contain </a:t>
-            </a:r>
-          </a:p>
-          <a:p>
-            <a:pPr lvl="1"/>
-            <a:r>
-              <a:rPr lang="en-US" dirty="0"/>
-              <a:t>A statement of the problem being solved</a:t>
-            </a:r>
-          </a:p>
-          <a:p>
-            <a:pPr lvl="1"/>
-            <a:r>
-              <a:rPr lang="en-US" dirty="0"/>
-              <a:t>A solution of the problem</a:t>
-            </a:r>
-          </a:p>
-          <a:p>
-            <a:pPr lvl="1"/>
-            <a:r>
-              <a:rPr lang="en-US" dirty="0"/>
-              <a:t>Alternative solutions</a:t>
-            </a:r>
-          </a:p>
-          <a:p>
-            <a:pPr lvl="1"/>
-            <a:r>
-              <a:rPr lang="en-US" dirty="0"/>
-              <a:t>A discussion of tradeoffs among the solutions.</a:t>
-            </a:r>
-          </a:p>
-          <a:p>
-            <a:r>
-              <a:rPr lang="en-US" dirty="0"/>
-              <a:t>For maximum usefulness, a pattern should have a name.</a:t>
-            </a:r>
-          </a:p>
-          <a:p>
-            <a:pPr lvl="1"/>
-            <a:r>
-              <a:rPr lang="en-US" dirty="0"/>
-              <a:t>So you can say “here I’m using pattern P” and people will know what you had in mind.</a:t>
-            </a:r>
-          </a:p>
-        </p:txBody>
-      </p:sp>
-      <p:sp>
-        <p:nvSpPr>
-          <p:cNvPr id="4" name="Slide Number Placeholder 3">
-            <a:extLst>
-              <a:ext uri="{FF2B5EF4-FFF2-40B4-BE49-F238E27FC236}">
-                <a16:creationId xmlns:a16="http://schemas.microsoft.com/office/drawing/2014/main" id="{88B116E2-E9F3-69DB-8F23-6FA68CDD1407}"/>
-              </a:ext>
-            </a:extLst>
-          </p:cNvPr>
-          <p:cNvSpPr>
-            <a:spLocks noGrp="1"/>
-          </p:cNvSpPr>
-          <p:nvPr>
-            <p:ph type="sldNum" sz="quarter" idx="12"/>
-          </p:nvPr>
-        </p:nvSpPr>
-        <p:spPr/>
-        <p:txBody>
-          <a:bodyPr/>
-          <a:lstStyle/>
-          <a:p>
-            <a:fld id="{20F37917-FD3A-4669-9018-DA04BCDD3D75}" type="slidenum">
-              <a:rPr lang="en-US" smtClean="0"/>
-              <a:t>3</a:t>
-            </a:fld>
-            <a:endParaRPr lang="en-US"/>
-          </a:p>
-        </p:txBody>
-      </p:sp>
-    </p:spTree>
-    <p:extLst>
-      <p:ext uri="{BB962C8B-B14F-4D97-AF65-F5344CB8AC3E}">
-        <p14:creationId xmlns:p14="http://schemas.microsoft.com/office/powerpoint/2010/main" val="2976171112"/>
-      </p:ext>
-    </p:extLst>
-  </p:cSld>
-  <p:clrMapOvr>
-    <a:masterClrMapping/>
-  </p:clrMapOvr>
-</p:sld>
-</file>
-
-<file path=ppt/slides/slide30.xml><?xml version="1.0" encoding="utf-8"?>
+<file path=ppt/slides/slide29.xml><?xml version="1.0" encoding="utf-8"?>
 <p:sld xmlns:a="http://schemas.openxmlformats.org/drawingml/2006/main" xmlns:r="http://schemas.openxmlformats.org/officeDocument/2006/relationships" xmlns:p="http://schemas.openxmlformats.org/presentationml/2006/main">
   <p:cSld>
     <p:spTree>
@@ -26295,7 +24954,7 @@
           <a:p>
             <a:fld id="{20F37917-FD3A-4669-9018-DA04BCDD3D75}" type="slidenum">
               <a:rPr lang="en-US" smtClean="0"/>
-              <a:t>30</a:t>
+              <a:t>29</a:t>
             </a:fld>
             <a:endParaRPr lang="en-US"/>
           </a:p>
@@ -27264,7 +25923,7 @@
                   <a:schemeClr val="tx1"/>
                 </a:solidFill>
               </a:rPr>
-              <a:t>CallBacks</a:t>
+              <a:t>callBacksFunctional</a:t>
             </a:r>
             <a:r>
               <a:rPr lang="en-US" sz="2400" dirty="0">
@@ -27303,7 +25962,171 @@
 </p:sld>
 </file>
 
-<file path=ppt/slides/slide31.xml><?xml version="1.0" encoding="utf-8"?>
+<file path=ppt/slides/slide3.xml><?xml version="1.0" encoding="utf-8"?>
+<p:sld xmlns:a="http://schemas.openxmlformats.org/drawingml/2006/main" xmlns:r="http://schemas.openxmlformats.org/officeDocument/2006/relationships" xmlns:p="http://schemas.openxmlformats.org/presentationml/2006/main">
+  <p:cSld>
+    <p:spTree>
+      <p:nvGrpSpPr>
+        <p:cNvPr id="1" name=""/>
+        <p:cNvGrpSpPr/>
+        <p:nvPr/>
+      </p:nvGrpSpPr>
+      <p:grpSpPr>
+        <a:xfrm>
+          <a:off x="0" y="0"/>
+          <a:ext cx="0" cy="0"/>
+          <a:chOff x="0" y="0"/>
+          <a:chExt cx="0" cy="0"/>
+        </a:xfrm>
+      </p:grpSpPr>
+      <p:sp>
+        <p:nvSpPr>
+          <p:cNvPr id="2" name="Title 1">
+            <a:extLst>
+              <a:ext uri="{FF2B5EF4-FFF2-40B4-BE49-F238E27FC236}">
+                <a16:creationId xmlns:a16="http://schemas.microsoft.com/office/drawing/2014/main" id="{182906D6-717F-C95E-C7BA-4A6611B09494}"/>
+              </a:ext>
+            </a:extLst>
+          </p:cNvPr>
+          <p:cNvSpPr>
+            <a:spLocks noGrp="1"/>
+          </p:cNvSpPr>
+          <p:nvPr>
+            <p:ph type="title"/>
+          </p:nvPr>
+        </p:nvSpPr>
+        <p:spPr/>
+        <p:txBody>
+          <a:bodyPr/>
+          <a:lstStyle/>
+          <a:p>
+            <a:r>
+              <a:rPr lang="en-US" dirty="0"/>
+              <a:t>What is a Pattern?</a:t>
+            </a:r>
+          </a:p>
+        </p:txBody>
+      </p:sp>
+      <p:sp>
+        <p:nvSpPr>
+          <p:cNvPr id="3" name="Content Placeholder 2">
+            <a:extLst>
+              <a:ext uri="{FF2B5EF4-FFF2-40B4-BE49-F238E27FC236}">
+                <a16:creationId xmlns:a16="http://schemas.microsoft.com/office/drawing/2014/main" id="{5D7C592F-1F68-3262-275C-DAAE284725A7}"/>
+              </a:ext>
+            </a:extLst>
+          </p:cNvPr>
+          <p:cNvSpPr>
+            <a:spLocks noGrp="1"/>
+          </p:cNvSpPr>
+          <p:nvPr>
+            <p:ph idx="1"/>
+          </p:nvPr>
+        </p:nvSpPr>
+        <p:spPr/>
+        <p:txBody>
+          <a:bodyPr>
+            <a:normAutofit lnSpcReduction="10000"/>
+          </a:bodyPr>
+          <a:lstStyle/>
+          <a:p>
+            <a:r>
+              <a:rPr lang="en-US" dirty="0"/>
+              <a:t>A Pattern is a summary of a standard solution (or solutions) to a specific class of problems.</a:t>
+            </a:r>
+          </a:p>
+          <a:p>
+            <a:r>
+              <a:rPr lang="en-US" dirty="0"/>
+              <a:t>A pattern should contain </a:t>
+            </a:r>
+          </a:p>
+          <a:p>
+            <a:pPr lvl="1"/>
+            <a:r>
+              <a:rPr lang="en-US" dirty="0"/>
+              <a:t>A statement of the problem being solved</a:t>
+            </a:r>
+          </a:p>
+          <a:p>
+            <a:pPr lvl="1"/>
+            <a:r>
+              <a:rPr lang="en-US" dirty="0"/>
+              <a:t>A solution of the problem</a:t>
+            </a:r>
+          </a:p>
+          <a:p>
+            <a:pPr lvl="1"/>
+            <a:r>
+              <a:rPr lang="en-US" dirty="0"/>
+              <a:t>Alternative solutions</a:t>
+            </a:r>
+          </a:p>
+          <a:p>
+            <a:pPr lvl="1"/>
+            <a:r>
+              <a:rPr lang="en-US" dirty="0"/>
+              <a:t>A discussion of tradeoffs among the solutions.</a:t>
+            </a:r>
+          </a:p>
+          <a:p>
+            <a:r>
+              <a:rPr lang="en-US" dirty="0"/>
+              <a:t>For maximum usefulness, a pattern should have a name.</a:t>
+            </a:r>
+          </a:p>
+          <a:p>
+            <a:pPr lvl="1"/>
+            <a:r>
+              <a:rPr lang="en-US" dirty="0"/>
+              <a:t>So you can say “here I’m using pattern P” and people will know what you had in mind.</a:t>
+            </a:r>
+          </a:p>
+        </p:txBody>
+      </p:sp>
+      <p:sp>
+        <p:nvSpPr>
+          <p:cNvPr id="4" name="Slide Number Placeholder 3">
+            <a:extLst>
+              <a:ext uri="{FF2B5EF4-FFF2-40B4-BE49-F238E27FC236}">
+                <a16:creationId xmlns:a16="http://schemas.microsoft.com/office/drawing/2014/main" id="{88B116E2-E9F3-69DB-8F23-6FA68CDD1407}"/>
+              </a:ext>
+            </a:extLst>
+          </p:cNvPr>
+          <p:cNvSpPr>
+            <a:spLocks noGrp="1"/>
+          </p:cNvSpPr>
+          <p:nvPr>
+            <p:ph type="sldNum" sz="quarter" idx="12"/>
+          </p:nvPr>
+        </p:nvSpPr>
+        <p:spPr/>
+        <p:txBody>
+          <a:bodyPr/>
+          <a:lstStyle/>
+          <a:p>
+            <a:fld id="{20F37917-FD3A-4669-9018-DA04BCDD3D75}" type="slidenum">
+              <a:rPr lang="en-US" smtClean="0"/>
+              <a:t>3</a:t>
+            </a:fld>
+            <a:endParaRPr lang="en-US"/>
+          </a:p>
+        </p:txBody>
+      </p:sp>
+    </p:spTree>
+    <p:extLst>
+      <p:ext uri="{BB962C8B-B14F-4D97-AF65-F5344CB8AC3E}">
+        <p14:creationId xmlns:p14="http://schemas.microsoft.com/office/powerpoint/2010/main" val="2976171112"/>
+      </p:ext>
+    </p:extLst>
+  </p:cSld>
+  <p:clrMapOvr>
+    <a:masterClrMapping/>
+  </p:clrMapOvr>
+</p:sld>
+</file>
+
+<file path=ppt/slides/slide30.xml><?xml version="1.0" encoding="utf-8"?>
 <p:sld xmlns:a="http://schemas.openxmlformats.org/drawingml/2006/main" xmlns:r="http://schemas.openxmlformats.org/officeDocument/2006/relationships" xmlns:p="http://schemas.openxmlformats.org/presentationml/2006/main">
   <p:cSld>
     <p:spTree>
@@ -27371,7 +26194,7 @@
           <a:p>
             <a:fld id="{20F37917-FD3A-4669-9018-DA04BCDD3D75}" type="slidenum">
               <a:rPr lang="en-US" smtClean="0"/>
-              <a:t>31</a:t>
+              <a:t>30</a:t>
             </a:fld>
             <a:endParaRPr lang="en-US"/>
           </a:p>
@@ -28272,6 +27095,91 @@
           </a:p>
         </p:txBody>
       </p:sp>
+      <p:sp>
+        <p:nvSpPr>
+          <p:cNvPr id="4" name="Rectangle: Rounded Corners 3">
+            <a:extLst>
+              <a:ext uri="{FF2B5EF4-FFF2-40B4-BE49-F238E27FC236}">
+                <a16:creationId xmlns:a16="http://schemas.microsoft.com/office/drawing/2014/main" id="{9C95B19B-41B1-95B4-3DBA-A100580864EC}"/>
+              </a:ext>
+            </a:extLst>
+          </p:cNvPr>
+          <p:cNvSpPr/>
+          <p:nvPr/>
+        </p:nvSpPr>
+        <p:spPr>
+          <a:xfrm>
+            <a:off x="6337300" y="136525"/>
+            <a:ext cx="5671087" cy="601981"/>
+          </a:xfrm>
+          <a:prstGeom prst="roundRect">
+            <a:avLst/>
+          </a:prstGeom>
+          <a:solidFill>
+            <a:schemeClr val="accent6">
+              <a:lumMod val="20000"/>
+              <a:lumOff val="80000"/>
+            </a:schemeClr>
+          </a:solidFill>
+          <a:ln>
+            <a:solidFill>
+              <a:srgbClr val="0070C0"/>
+            </a:solidFill>
+          </a:ln>
+        </p:spPr>
+        <p:style>
+          <a:lnRef idx="2">
+            <a:schemeClr val="accent1">
+              <a:shade val="50000"/>
+            </a:schemeClr>
+          </a:lnRef>
+          <a:fillRef idx="1">
+            <a:schemeClr val="accent1"/>
+          </a:fillRef>
+          <a:effectRef idx="0">
+            <a:schemeClr val="accent1"/>
+          </a:effectRef>
+          <a:fontRef idx="minor">
+            <a:schemeClr val="lt1"/>
+          </a:fontRef>
+        </p:style>
+        <p:txBody>
+          <a:bodyPr rtlCol="0" anchor="ctr"/>
+          <a:lstStyle/>
+          <a:p>
+            <a:pPr algn="ctr"/>
+            <a:r>
+              <a:rPr lang="en-US" sz="2400" dirty="0" err="1">
+                <a:solidFill>
+                  <a:schemeClr val="tx1"/>
+                </a:solidFill>
+              </a:rPr>
+              <a:t>callBacksFunctional</a:t>
+            </a:r>
+            <a:r>
+              <a:rPr lang="en-US" sz="2400" dirty="0">
+                <a:solidFill>
+                  <a:schemeClr val="tx1"/>
+                </a:solidFill>
+              </a:rPr>
+              <a:t>/</a:t>
+            </a:r>
+            <a:r>
+              <a:rPr lang="en-US" sz="2400" dirty="0" err="1">
+                <a:solidFill>
+                  <a:schemeClr val="tx1"/>
+                </a:solidFill>
+              </a:rPr>
+              <a:t>callBackExample.ts</a:t>
+            </a:r>
+            <a:endParaRPr lang="en-US" sz="2400" dirty="0">
+              <a:solidFill>
+                <a:schemeClr val="tx1"/>
+              </a:solidFill>
+            </a:endParaRPr>
+          </a:p>
+        </p:txBody>
+      </p:sp>
     </p:spTree>
     <p:extLst>
       <p:ext uri="{BB962C8B-B14F-4D97-AF65-F5344CB8AC3E}">
@@ -28285,7 +27193,7 @@
 </p:sld>
 </file>
 
-<file path=ppt/slides/slide32.xml><?xml version="1.0" encoding="utf-8"?>
+<file path=ppt/slides/slide31.xml><?xml version="1.0" encoding="utf-8"?>
 <p:sld xmlns:a="http://schemas.openxmlformats.org/drawingml/2006/main" xmlns:r="http://schemas.openxmlformats.org/officeDocument/2006/relationships" xmlns:p="http://schemas.openxmlformats.org/presentationml/2006/main">
   <p:cSld>
     <p:spTree>
@@ -28396,7 +27304,7 @@
           <a:p>
             <a:fld id="{20F37917-FD3A-4669-9018-DA04BCDD3D75}" type="slidenum">
               <a:rPr lang="en-US" smtClean="0"/>
-              <a:t>32</a:t>
+              <a:t>31</a:t>
             </a:fld>
             <a:endParaRPr lang="en-US"/>
           </a:p>
@@ -28415,7 +27323,7 @@
 </p:sld>
 </file>
 
-<file path=ppt/slides/slide33.xml><?xml version="1.0" encoding="utf-8"?>
+<file path=ppt/slides/slide32.xml><?xml version="1.0" encoding="utf-8"?>
 <p:sld xmlns:a="http://schemas.openxmlformats.org/drawingml/2006/main" xmlns:r="http://schemas.openxmlformats.org/officeDocument/2006/relationships" xmlns:p="http://schemas.openxmlformats.org/presentationml/2006/main">
   <p:cSld>
     <p:spTree>
@@ -28523,7 +27431,7 @@
           <a:p>
             <a:fld id="{20F37917-FD3A-4669-9018-DA04BCDD3D75}" type="slidenum">
               <a:rPr lang="en-US" smtClean="0"/>
-              <a:t>33</a:t>
+              <a:t>32</a:t>
             </a:fld>
             <a:endParaRPr lang="en-US"/>
           </a:p>
@@ -28938,7 +27846,7 @@
 </p:sld>
 </file>
 
-<file path=ppt/slides/slide34.xml><?xml version="1.0" encoding="utf-8"?>
+<file path=ppt/slides/slide33.xml><?xml version="1.0" encoding="utf-8"?>
 <p:sld xmlns:a="http://schemas.openxmlformats.org/drawingml/2006/main" xmlns:r="http://schemas.openxmlformats.org/officeDocument/2006/relationships" xmlns:p="http://schemas.openxmlformats.org/presentationml/2006/main">
   <p:cSld>
     <p:spTree>
@@ -29008,7 +27916,7 @@
           <a:p>
             <a:fld id="{20F37917-FD3A-4669-9018-DA04BCDD3D75}" type="slidenum">
               <a:rPr lang="en-US" smtClean="0"/>
-              <a:t>34</a:t>
+              <a:t>33</a:t>
             </a:fld>
             <a:endParaRPr lang="en-US"/>
           </a:p>
@@ -29668,7 +28576,7 @@
 </p:sld>
 </file>
 
-<file path=ppt/slides/slide35.xml><?xml version="1.0" encoding="utf-8"?>
+<file path=ppt/slides/slide34.xml><?xml version="1.0" encoding="utf-8"?>
 <p:sld xmlns:a="http://schemas.openxmlformats.org/drawingml/2006/main" xmlns:r="http://schemas.openxmlformats.org/officeDocument/2006/relationships" xmlns:p="http://schemas.openxmlformats.org/presentationml/2006/main">
   <p:cSld>
     <p:spTree>
@@ -29736,7 +28644,7 @@
           <a:p>
             <a:fld id="{20F37917-FD3A-4669-9018-DA04BCDD3D75}" type="slidenum">
               <a:rPr lang="en-US" smtClean="0"/>
-              <a:t>35</a:t>
+              <a:t>34</a:t>
             </a:fld>
             <a:endParaRPr lang="en-US"/>
           </a:p>
@@ -30111,7 +29019,7 @@
 </p:sld>
 </file>
 
-<file path=ppt/slides/slide36.xml><?xml version="1.0" encoding="utf-8"?>
+<file path=ppt/slides/slide35.xml><?xml version="1.0" encoding="utf-8"?>
 <p:sld xmlns:a="http://schemas.openxmlformats.org/drawingml/2006/main" xmlns:r="http://schemas.openxmlformats.org/officeDocument/2006/relationships" xmlns:p="http://schemas.openxmlformats.org/presentationml/2006/main">
   <p:cSld>
     <p:spTree>
@@ -30253,7 +29161,7 @@
           <a:p>
             <a:fld id="{20F37917-FD3A-4669-9018-DA04BCDD3D75}" type="slidenum">
               <a:rPr lang="en-US" smtClean="0"/>
-              <a:t>36</a:t>
+              <a:t>35</a:t>
             </a:fld>
             <a:endParaRPr lang="en-US"/>
           </a:p>
@@ -30272,7 +29180,7 @@
 </p:sld>
 </file>
 
-<file path=ppt/slides/slide37.xml><?xml version="1.0" encoding="utf-8"?>
+<file path=ppt/slides/slide36.xml><?xml version="1.0" encoding="utf-8"?>
 <p:sld xmlns:a="http://schemas.openxmlformats.org/drawingml/2006/main" xmlns:r="http://schemas.openxmlformats.org/officeDocument/2006/relationships" xmlns:p="http://schemas.openxmlformats.org/presentationml/2006/main">
   <p:cSld>
     <p:spTree>
@@ -30340,7 +29248,7 @@
           <a:p>
             <a:fld id="{20F37917-FD3A-4669-9018-DA04BCDD3D75}" type="slidenum">
               <a:rPr lang="en-US" smtClean="0"/>
-              <a:t>37</a:t>
+              <a:t>36</a:t>
             </a:fld>
             <a:endParaRPr lang="en-US"/>
           </a:p>
@@ -31596,7 +30504,7 @@
 </p:sld>
 </file>
 
-<file path=ppt/slides/slide38.xml><?xml version="1.0" encoding="utf-8"?>
+<file path=ppt/slides/slide37.xml><?xml version="1.0" encoding="utf-8"?>
 <p:sld xmlns:a="http://schemas.openxmlformats.org/drawingml/2006/main" xmlns:r="http://schemas.openxmlformats.org/officeDocument/2006/relationships" xmlns:p="http://schemas.openxmlformats.org/presentationml/2006/main">
   <p:cSld>
     <p:spTree>
@@ -31664,7 +30572,7 @@
           <a:p>
             <a:fld id="{20F37917-FD3A-4669-9018-DA04BCDD3D75}" type="slidenum">
               <a:rPr lang="en-US" smtClean="0"/>
-              <a:t>38</a:t>
+              <a:t>37</a:t>
             </a:fld>
             <a:endParaRPr lang="en-US"/>
           </a:p>
@@ -32997,7 +31905,7 @@
 </p:sld>
 </file>
 
-<file path=ppt/slides/slide39.xml><?xml version="1.0" encoding="utf-8"?>
+<file path=ppt/slides/slide38.xml><?xml version="1.0" encoding="utf-8"?>
 <p:sld xmlns:a="http://schemas.openxmlformats.org/drawingml/2006/main" xmlns:r="http://schemas.openxmlformats.org/officeDocument/2006/relationships" xmlns:p="http://schemas.openxmlformats.org/presentationml/2006/main">
   <p:cSld>
     <p:spTree>
@@ -33065,7 +31973,7 @@
           <a:p>
             <a:fld id="{20F37917-FD3A-4669-9018-DA04BCDD3D75}" type="slidenum">
               <a:rPr lang="en-US" smtClean="0"/>
-              <a:t>39</a:t>
+              <a:t>38</a:t>
             </a:fld>
             <a:endParaRPr lang="en-US"/>
           </a:p>
@@ -33424,122 +32332,7 @@
 </p:sld>
 </file>
 
-<file path=ppt/slides/slide4.xml><?xml version="1.0" encoding="utf-8"?>
-<p:sld xmlns:a="http://schemas.openxmlformats.org/drawingml/2006/main" xmlns:r="http://schemas.openxmlformats.org/officeDocument/2006/relationships" xmlns:p="http://schemas.openxmlformats.org/presentationml/2006/main">
-  <p:cSld>
-    <p:spTree>
-      <p:nvGrpSpPr>
-        <p:cNvPr id="1" name=""/>
-        <p:cNvGrpSpPr/>
-        <p:nvPr/>
-      </p:nvGrpSpPr>
-      <p:grpSpPr>
-        <a:xfrm>
-          <a:off x="0" y="0"/>
-          <a:ext cx="0" cy="0"/>
-          <a:chOff x="0" y="0"/>
-          <a:chExt cx="0" cy="0"/>
-        </a:xfrm>
-      </p:grpSpPr>
-      <p:sp>
-        <p:nvSpPr>
-          <p:cNvPr id="2" name="Title 1">
-            <a:extLst>
-              <a:ext uri="{FF2B5EF4-FFF2-40B4-BE49-F238E27FC236}">
-                <a16:creationId xmlns:a16="http://schemas.microsoft.com/office/drawing/2014/main" id="{662A179F-10F8-FAD1-A286-2AAF5D2924B6}"/>
-              </a:ext>
-            </a:extLst>
-          </p:cNvPr>
-          <p:cNvSpPr>
-            <a:spLocks noGrp="1"/>
-          </p:cNvSpPr>
-          <p:nvPr>
-            <p:ph type="title"/>
-          </p:nvPr>
-        </p:nvSpPr>
-        <p:spPr/>
-        <p:txBody>
-          <a:bodyPr/>
-          <a:lstStyle/>
-          <a:p>
-            <a:r>
-              <a:rPr lang="en-US" dirty="0"/>
-              <a:t>Patterns help communicate intent</a:t>
-            </a:r>
-          </a:p>
-        </p:txBody>
-      </p:sp>
-      <p:sp>
-        <p:nvSpPr>
-          <p:cNvPr id="3" name="Content Placeholder 2">
-            <a:extLst>
-              <a:ext uri="{FF2B5EF4-FFF2-40B4-BE49-F238E27FC236}">
-                <a16:creationId xmlns:a16="http://schemas.microsoft.com/office/drawing/2014/main" id="{5A0618D1-BC1F-00BF-115E-9BA4FC702211}"/>
-              </a:ext>
-            </a:extLst>
-          </p:cNvPr>
-          <p:cNvSpPr>
-            <a:spLocks noGrp="1"/>
-          </p:cNvSpPr>
-          <p:nvPr>
-            <p:ph idx="1"/>
-          </p:nvPr>
-        </p:nvSpPr>
-        <p:spPr/>
-        <p:txBody>
-          <a:bodyPr/>
-          <a:lstStyle/>
-          <a:p>
-            <a:r>
-              <a:rPr lang="en-US" dirty="0"/>
-              <a:t>If your code uses a well-known pattern, then the reader has a head start in understanding your code.</a:t>
-            </a:r>
-          </a:p>
-        </p:txBody>
-      </p:sp>
-      <p:sp>
-        <p:nvSpPr>
-          <p:cNvPr id="4" name="Slide Number Placeholder 3">
-            <a:extLst>
-              <a:ext uri="{FF2B5EF4-FFF2-40B4-BE49-F238E27FC236}">
-                <a16:creationId xmlns:a16="http://schemas.microsoft.com/office/drawing/2014/main" id="{B797F925-0FB9-D83B-41C8-901CDE6C2D17}"/>
-              </a:ext>
-            </a:extLst>
-          </p:cNvPr>
-          <p:cNvSpPr>
-            <a:spLocks noGrp="1"/>
-          </p:cNvSpPr>
-          <p:nvPr>
-            <p:ph type="sldNum" sz="quarter" idx="12"/>
-          </p:nvPr>
-        </p:nvSpPr>
-        <p:spPr/>
-        <p:txBody>
-          <a:bodyPr/>
-          <a:lstStyle/>
-          <a:p>
-            <a:fld id="{20F37917-FD3A-4669-9018-DA04BCDD3D75}" type="slidenum">
-              <a:rPr lang="en-US" smtClean="0"/>
-              <a:t>4</a:t>
-            </a:fld>
-            <a:endParaRPr lang="en-US"/>
-          </a:p>
-        </p:txBody>
-      </p:sp>
-    </p:spTree>
-    <p:extLst>
-      <p:ext uri="{BB962C8B-B14F-4D97-AF65-F5344CB8AC3E}">
-        <p14:creationId xmlns:p14="http://schemas.microsoft.com/office/powerpoint/2010/main" val="99294771"/>
-      </p:ext>
-    </p:extLst>
-  </p:cSld>
-  <p:clrMapOvr>
-    <a:masterClrMapping/>
-  </p:clrMapOvr>
-</p:sld>
-</file>
-
-<file path=ppt/slides/slide40.xml><?xml version="1.0" encoding="utf-8"?>
+<file path=ppt/slides/slide39.xml><?xml version="1.0" encoding="utf-8"?>
 <p:sld xmlns:a="http://schemas.openxmlformats.org/drawingml/2006/main" xmlns:r="http://schemas.openxmlformats.org/officeDocument/2006/relationships" xmlns:p="http://schemas.openxmlformats.org/presentationml/2006/main">
   <p:cSld>
     <p:spTree>
@@ -33771,7 +32564,7 @@
                 <a:tabLst/>
                 <a:defRPr/>
               </a:pPr>
-              <a:t>40</a:t>
+              <a:t>39</a:t>
             </a:fld>
             <a:endParaRPr kumimoji="0" lang="en-US" sz="1200" b="0" i="0" u="none" strike="noStrike" kern="1200" cap="none" spc="0" normalizeH="0" baseline="0" noProof="0">
               <a:ln>
@@ -33796,6 +32589,121 @@
     <p:extLst>
       <p:ext uri="{BB962C8B-B14F-4D97-AF65-F5344CB8AC3E}">
         <p14:creationId xmlns:p14="http://schemas.microsoft.com/office/powerpoint/2010/main" val="1147565064"/>
+      </p:ext>
+    </p:extLst>
+  </p:cSld>
+  <p:clrMapOvr>
+    <a:masterClrMapping/>
+  </p:clrMapOvr>
+</p:sld>
+</file>
+
+<file path=ppt/slides/slide4.xml><?xml version="1.0" encoding="utf-8"?>
+<p:sld xmlns:a="http://schemas.openxmlformats.org/drawingml/2006/main" xmlns:r="http://schemas.openxmlformats.org/officeDocument/2006/relationships" xmlns:p="http://schemas.openxmlformats.org/presentationml/2006/main">
+  <p:cSld>
+    <p:spTree>
+      <p:nvGrpSpPr>
+        <p:cNvPr id="1" name=""/>
+        <p:cNvGrpSpPr/>
+        <p:nvPr/>
+      </p:nvGrpSpPr>
+      <p:grpSpPr>
+        <a:xfrm>
+          <a:off x="0" y="0"/>
+          <a:ext cx="0" cy="0"/>
+          <a:chOff x="0" y="0"/>
+          <a:chExt cx="0" cy="0"/>
+        </a:xfrm>
+      </p:grpSpPr>
+      <p:sp>
+        <p:nvSpPr>
+          <p:cNvPr id="2" name="Title 1">
+            <a:extLst>
+              <a:ext uri="{FF2B5EF4-FFF2-40B4-BE49-F238E27FC236}">
+                <a16:creationId xmlns:a16="http://schemas.microsoft.com/office/drawing/2014/main" id="{662A179F-10F8-FAD1-A286-2AAF5D2924B6}"/>
+              </a:ext>
+            </a:extLst>
+          </p:cNvPr>
+          <p:cNvSpPr>
+            <a:spLocks noGrp="1"/>
+          </p:cNvSpPr>
+          <p:nvPr>
+            <p:ph type="title"/>
+          </p:nvPr>
+        </p:nvSpPr>
+        <p:spPr/>
+        <p:txBody>
+          <a:bodyPr/>
+          <a:lstStyle/>
+          <a:p>
+            <a:r>
+              <a:rPr lang="en-US" dirty="0"/>
+              <a:t>Patterns help communicate intent</a:t>
+            </a:r>
+          </a:p>
+        </p:txBody>
+      </p:sp>
+      <p:sp>
+        <p:nvSpPr>
+          <p:cNvPr id="3" name="Content Placeholder 2">
+            <a:extLst>
+              <a:ext uri="{FF2B5EF4-FFF2-40B4-BE49-F238E27FC236}">
+                <a16:creationId xmlns:a16="http://schemas.microsoft.com/office/drawing/2014/main" id="{5A0618D1-BC1F-00BF-115E-9BA4FC702211}"/>
+              </a:ext>
+            </a:extLst>
+          </p:cNvPr>
+          <p:cNvSpPr>
+            <a:spLocks noGrp="1"/>
+          </p:cNvSpPr>
+          <p:nvPr>
+            <p:ph idx="1"/>
+          </p:nvPr>
+        </p:nvSpPr>
+        <p:spPr/>
+        <p:txBody>
+          <a:bodyPr/>
+          <a:lstStyle/>
+          <a:p>
+            <a:r>
+              <a:rPr lang="en-US" dirty="0"/>
+              <a:t>If your code uses a well-known pattern, then the reader has a head start in understanding your code.</a:t>
+            </a:r>
+          </a:p>
+        </p:txBody>
+      </p:sp>
+      <p:sp>
+        <p:nvSpPr>
+          <p:cNvPr id="4" name="Slide Number Placeholder 3">
+            <a:extLst>
+              <a:ext uri="{FF2B5EF4-FFF2-40B4-BE49-F238E27FC236}">
+                <a16:creationId xmlns:a16="http://schemas.microsoft.com/office/drawing/2014/main" id="{B797F925-0FB9-D83B-41C8-901CDE6C2D17}"/>
+              </a:ext>
+            </a:extLst>
+          </p:cNvPr>
+          <p:cNvSpPr>
+            <a:spLocks noGrp="1"/>
+          </p:cNvSpPr>
+          <p:nvPr>
+            <p:ph type="sldNum" sz="quarter" idx="12"/>
+          </p:nvPr>
+        </p:nvSpPr>
+        <p:spPr/>
+        <p:txBody>
+          <a:bodyPr/>
+          <a:lstStyle/>
+          <a:p>
+            <a:fld id="{20F37917-FD3A-4669-9018-DA04BCDD3D75}" type="slidenum">
+              <a:rPr lang="en-US" smtClean="0"/>
+              <a:t>4</a:t>
+            </a:fld>
+            <a:endParaRPr lang="en-US"/>
+          </a:p>
+        </p:txBody>
+      </p:sp>
+    </p:spTree>
+    <p:extLst>
+      <p:ext uri="{BB962C8B-B14F-4D97-AF65-F5344CB8AC3E}">
+        <p14:creationId xmlns:p14="http://schemas.microsoft.com/office/powerpoint/2010/main" val="99294771"/>
       </p:ext>
     </p:extLst>
   </p:cSld>
